--- a/LSTM_Transformer_Parallel.pptx
+++ b/LSTM_Transformer_Parallel.pptx
@@ -8,6 +8,8 @@
     <p:sldId id="256" r:id="rId2"/>
     <p:sldId id="257" r:id="rId3"/>
     <p:sldId id="258" r:id="rId4"/>
+    <p:sldId id="259" r:id="rId5"/>
+    <p:sldId id="260" r:id="rId6"/>
   </p:sldIdLst>
   <p:sldSz cx="12192000" cy="6858000"/>
   <p:notesSz cx="6858000" cy="9144000"/>
@@ -106,6 +108,11 @@
       </a:defRPr>
     </a:lvl9pPr>
   </p:defaultTextStyle>
+  <p:extLst>
+    <p:ext uri="{EFAFB233-063F-42B5-8137-9DF3F51BA10A}">
+      <p15:sldGuideLst xmlns:p15="http://schemas.microsoft.com/office/powerpoint/2012/main"/>
+    </p:ext>
+  </p:extLst>
 </p:presentation>
 </file>
 
@@ -3510,6 +3517,10 @@
           <a:bodyPr/>
           <a:lstStyle/>
           <a:p>
+            <a:r>
+              <a:rPr lang="en-US" altLang="ko-KR" dirty="0"/>
+              <a:t>Transformer</a:t>
+            </a:r>
             <a:endParaRPr lang="ko-KR" altLang="en-US" dirty="0"/>
           </a:p>
         </p:txBody>
@@ -3535,7 +3546,80 @@
           <a:bodyPr/>
           <a:lstStyle/>
           <a:p>
-            <a:endParaRPr lang="ko-KR" altLang="en-US"/>
+            <a:r>
+              <a:rPr lang="en-US" altLang="ko-KR" dirty="0"/>
+              <a:t>LSTM</a:t>
+            </a:r>
+            <a:r>
+              <a:rPr lang="ko-KR" altLang="en-US" dirty="0"/>
+              <a:t>은 순차적인 입력을 받기 때문에 병렬 처리가 어려움</a:t>
+            </a:r>
+            <a:r>
+              <a:rPr lang="en-US" altLang="ko-KR" dirty="0"/>
+              <a:t>.</a:t>
+            </a:r>
+          </a:p>
+          <a:p>
+            <a:pPr marL="0" indent="0">
+              <a:buNone/>
+            </a:pPr>
+            <a:endParaRPr lang="en-US" altLang="ko-KR" dirty="0"/>
+          </a:p>
+          <a:p>
+            <a:r>
+              <a:rPr lang="ko-KR" altLang="en-US" dirty="0"/>
+              <a:t>반면에 </a:t>
+            </a:r>
+            <a:r>
+              <a:rPr lang="en-US" altLang="ko-KR" dirty="0"/>
+              <a:t>Transformer</a:t>
+            </a:r>
+            <a:r>
+              <a:rPr lang="ko-KR" altLang="en-US" dirty="0"/>
+              <a:t>는 전체 시퀀스를 한 번에 처리 가능</a:t>
+            </a:r>
+            <a:endParaRPr lang="en-US" altLang="ko-KR" dirty="0"/>
+          </a:p>
+          <a:p>
+            <a:pPr lvl="1"/>
+            <a:r>
+              <a:rPr lang="ko-KR" altLang="en-US" dirty="0"/>
+              <a:t>따라서 연산의 </a:t>
+            </a:r>
+            <a:r>
+              <a:rPr lang="ko-KR" altLang="en-US" dirty="0">
+                <a:solidFill>
+                  <a:srgbClr val="FF0000"/>
+                </a:solidFill>
+              </a:rPr>
+              <a:t>병렬화에 용이함</a:t>
+            </a:r>
+            <a:r>
+              <a:rPr lang="en-US" altLang="ko-KR" dirty="0"/>
+              <a:t>.</a:t>
+            </a:r>
+          </a:p>
+          <a:p>
+            <a:endParaRPr lang="en-US" altLang="ko-KR" dirty="0"/>
+          </a:p>
+          <a:p>
+            <a:r>
+              <a:rPr lang="en-US" altLang="ko-KR" dirty="0"/>
+              <a:t>Self-Attention </a:t>
+            </a:r>
+            <a:r>
+              <a:rPr lang="ko-KR" altLang="en-US" dirty="0"/>
+              <a:t>메커니즘</a:t>
+            </a:r>
+            <a:endParaRPr lang="en-US" altLang="ko-KR" dirty="0"/>
+          </a:p>
+          <a:p>
+            <a:pPr lvl="1"/>
+            <a:r>
+              <a:rPr lang="ko-KR" altLang="en-US" dirty="0"/>
+              <a:t>특정 시점 강조 가능</a:t>
+            </a:r>
+            <a:endParaRPr lang="en-US" altLang="ko-KR" dirty="0"/>
           </a:p>
         </p:txBody>
       </p:sp>
@@ -3543,6 +3627,323 @@
     <p:extLst>
       <p:ext uri="{BB962C8B-B14F-4D97-AF65-F5344CB8AC3E}">
         <p14:creationId xmlns:p14="http://schemas.microsoft.com/office/powerpoint/2010/main" val="2216303693"/>
+      </p:ext>
+    </p:extLst>
+  </p:cSld>
+  <p:clrMapOvr>
+    <a:masterClrMapping/>
+  </p:clrMapOvr>
+</p:sld>
+</file>
+
+<file path=ppt/slides/slide4.xml><?xml version="1.0" encoding="utf-8"?>
+<p:sld xmlns:a="http://schemas.openxmlformats.org/drawingml/2006/main" xmlns:r="http://schemas.openxmlformats.org/officeDocument/2006/relationships" xmlns:p="http://schemas.openxmlformats.org/presentationml/2006/main">
+  <p:cSld>
+    <p:spTree>
+      <p:nvGrpSpPr>
+        <p:cNvPr id="1" name=""/>
+        <p:cNvGrpSpPr/>
+        <p:nvPr/>
+      </p:nvGrpSpPr>
+      <p:grpSpPr>
+        <a:xfrm>
+          <a:off x="0" y="0"/>
+          <a:ext cx="0" cy="0"/>
+          <a:chOff x="0" y="0"/>
+          <a:chExt cx="0" cy="0"/>
+        </a:xfrm>
+      </p:grpSpPr>
+      <p:sp>
+        <p:nvSpPr>
+          <p:cNvPr id="2" name="제목 1">
+            <a:extLst>
+              <a:ext uri="{FF2B5EF4-FFF2-40B4-BE49-F238E27FC236}">
+                <a16:creationId xmlns:a16="http://schemas.microsoft.com/office/drawing/2014/main" id="{7DA53836-2E33-279D-D5FD-7E686369CAEC}"/>
+              </a:ext>
+            </a:extLst>
+          </p:cNvPr>
+          <p:cNvSpPr>
+            <a:spLocks noGrp="1"/>
+          </p:cNvSpPr>
+          <p:nvPr>
+            <p:ph type="title"/>
+          </p:nvPr>
+        </p:nvSpPr>
+        <p:spPr/>
+        <p:txBody>
+          <a:bodyPr/>
+          <a:lstStyle/>
+          <a:p>
+            <a:r>
+              <a:rPr lang="en-US" altLang="ko-KR" dirty="0"/>
+              <a:t>Transformer</a:t>
+            </a:r>
+            <a:endParaRPr lang="ko-KR" altLang="en-US" dirty="0"/>
+          </a:p>
+        </p:txBody>
+      </p:sp>
+      <p:sp>
+        <p:nvSpPr>
+          <p:cNvPr id="5" name="내용 개체 틀 4">
+            <a:extLst>
+              <a:ext uri="{FF2B5EF4-FFF2-40B4-BE49-F238E27FC236}">
+                <a16:creationId xmlns:a16="http://schemas.microsoft.com/office/drawing/2014/main" id="{335493F6-8B8C-44C3-2BDE-AA0BC0CE83A6}"/>
+              </a:ext>
+            </a:extLst>
+          </p:cNvPr>
+          <p:cNvSpPr>
+            <a:spLocks noGrp="1"/>
+          </p:cNvSpPr>
+          <p:nvPr>
+            <p:ph idx="1"/>
+          </p:nvPr>
+        </p:nvSpPr>
+        <p:spPr/>
+        <p:txBody>
+          <a:bodyPr/>
+          <a:lstStyle/>
+          <a:p>
+            <a:r>
+              <a:rPr lang="en-US" altLang="ko-KR" dirty="0"/>
+              <a:t>Encoder</a:t>
+            </a:r>
+          </a:p>
+          <a:p>
+            <a:endParaRPr lang="en-US" altLang="ko-KR" dirty="0"/>
+          </a:p>
+          <a:p>
+            <a:r>
+              <a:rPr lang="en-US" altLang="ko-KR" dirty="0"/>
+              <a:t>Positioning</a:t>
+            </a:r>
+            <a:r>
+              <a:rPr lang="ko-KR" altLang="en-US" dirty="0"/>
+              <a:t> </a:t>
+            </a:r>
+            <a:r>
+              <a:rPr lang="en-US" altLang="ko-KR" dirty="0"/>
+              <a:t>Encoding</a:t>
+            </a:r>
+          </a:p>
+          <a:p>
+            <a:pPr lvl="1"/>
+            <a:r>
+              <a:rPr lang="ko-KR" altLang="en-US" dirty="0"/>
+              <a:t>순서대로 입력이 들어가지 않음</a:t>
+            </a:r>
+            <a:endParaRPr lang="en-US" altLang="ko-KR" dirty="0"/>
+          </a:p>
+          <a:p>
+            <a:pPr lvl="1"/>
+            <a:r>
+              <a:rPr lang="ko-KR" altLang="en-US" dirty="0"/>
+              <a:t>따라서 순서 정보를 인위적으로 추가</a:t>
+            </a:r>
+            <a:endParaRPr lang="en-US" altLang="ko-KR" dirty="0"/>
+          </a:p>
+          <a:p>
+            <a:endParaRPr lang="en-US" altLang="ko-KR" dirty="0"/>
+          </a:p>
+          <a:p>
+            <a:endParaRPr lang="ko-KR" altLang="en-US" dirty="0"/>
+          </a:p>
+        </p:txBody>
+      </p:sp>
+      <p:pic>
+        <p:nvPicPr>
+          <p:cNvPr id="6" name="Picture 2">
+            <a:extLst>
+              <a:ext uri="{FF2B5EF4-FFF2-40B4-BE49-F238E27FC236}">
+                <a16:creationId xmlns:a16="http://schemas.microsoft.com/office/drawing/2014/main" id="{C4A74E53-A550-5FF2-8659-0D41B7ADDBF7}"/>
+              </a:ext>
+            </a:extLst>
+          </p:cNvPr>
+          <p:cNvPicPr>
+            <a:picLocks noChangeAspect="1" noChangeArrowheads="1"/>
+          </p:cNvPicPr>
+          <p:nvPr/>
+        </p:nvPicPr>
+        <p:blipFill>
+          <a:blip r:embed="rId2">
+            <a:extLst>
+              <a:ext uri="{28A0092B-C50C-407E-A947-70E740481C1C}">
+                <a14:useLocalDpi xmlns:a14="http://schemas.microsoft.com/office/drawing/2010/main" val="0"/>
+              </a:ext>
+            </a:extLst>
+          </a:blip>
+          <a:stretch>
+            <a:fillRect/>
+          </a:stretch>
+        </p:blipFill>
+        <p:spPr bwMode="auto">
+          <a:xfrm>
+            <a:off x="8267541" y="2140648"/>
+            <a:ext cx="3086259" cy="3721291"/>
+          </a:xfrm>
+          <a:prstGeom prst="rect">
+            <a:avLst/>
+          </a:prstGeom>
+          <a:noFill/>
+          <a:extLst>
+            <a:ext uri="{909E8E84-426E-40DD-AFC4-6F175D3DCCD1}">
+              <a14:hiddenFill xmlns:a14="http://schemas.microsoft.com/office/drawing/2010/main">
+                <a:solidFill>
+                  <a:srgbClr val="FFFFFF"/>
+                </a:solidFill>
+              </a14:hiddenFill>
+            </a:ext>
+          </a:extLst>
+        </p:spPr>
+      </p:pic>
+    </p:spTree>
+    <p:extLst>
+      <p:ext uri="{BB962C8B-B14F-4D97-AF65-F5344CB8AC3E}">
+        <p14:creationId xmlns:p14="http://schemas.microsoft.com/office/powerpoint/2010/main" val="1118654724"/>
+      </p:ext>
+    </p:extLst>
+  </p:cSld>
+  <p:clrMapOvr>
+    <a:masterClrMapping/>
+  </p:clrMapOvr>
+</p:sld>
+</file>
+
+<file path=ppt/slides/slide5.xml><?xml version="1.0" encoding="utf-8"?>
+<p:sld xmlns:a="http://schemas.openxmlformats.org/drawingml/2006/main" xmlns:r="http://schemas.openxmlformats.org/officeDocument/2006/relationships" xmlns:p="http://schemas.openxmlformats.org/presentationml/2006/main">
+  <p:cSld>
+    <p:spTree>
+      <p:nvGrpSpPr>
+        <p:cNvPr id="1" name="">
+          <a:extLst>
+            <a:ext uri="{FF2B5EF4-FFF2-40B4-BE49-F238E27FC236}">
+              <a16:creationId xmlns:a16="http://schemas.microsoft.com/office/drawing/2014/main" id="{C22BE263-1774-CEBD-AE7E-A966430AED5E}"/>
+            </a:ext>
+          </a:extLst>
+        </p:cNvPr>
+        <p:cNvGrpSpPr/>
+        <p:nvPr/>
+      </p:nvGrpSpPr>
+      <p:grpSpPr>
+        <a:xfrm>
+          <a:off x="0" y="0"/>
+          <a:ext cx="0" cy="0"/>
+          <a:chOff x="0" y="0"/>
+          <a:chExt cx="0" cy="0"/>
+        </a:xfrm>
+      </p:grpSpPr>
+      <p:sp>
+        <p:nvSpPr>
+          <p:cNvPr id="2" name="제목 1">
+            <a:extLst>
+              <a:ext uri="{FF2B5EF4-FFF2-40B4-BE49-F238E27FC236}">
+                <a16:creationId xmlns:a16="http://schemas.microsoft.com/office/drawing/2014/main" id="{6394F029-3947-84B4-A106-BBA67610CFD3}"/>
+              </a:ext>
+            </a:extLst>
+          </p:cNvPr>
+          <p:cNvSpPr>
+            <a:spLocks noGrp="1"/>
+          </p:cNvSpPr>
+          <p:nvPr>
+            <p:ph type="title"/>
+          </p:nvPr>
+        </p:nvSpPr>
+        <p:spPr/>
+        <p:txBody>
+          <a:bodyPr/>
+          <a:lstStyle/>
+          <a:p>
+            <a:r>
+              <a:rPr lang="en-US" altLang="ko-KR" dirty="0"/>
+              <a:t>Transformer</a:t>
+            </a:r>
+            <a:endParaRPr lang="ko-KR" altLang="en-US" dirty="0"/>
+          </a:p>
+        </p:txBody>
+      </p:sp>
+      <p:sp>
+        <p:nvSpPr>
+          <p:cNvPr id="5" name="내용 개체 틀 4">
+            <a:extLst>
+              <a:ext uri="{FF2B5EF4-FFF2-40B4-BE49-F238E27FC236}">
+                <a16:creationId xmlns:a16="http://schemas.microsoft.com/office/drawing/2014/main" id="{FC05CF5A-29B5-7FAB-E8B8-124C61DC99F1}"/>
+              </a:ext>
+            </a:extLst>
+          </p:cNvPr>
+          <p:cNvSpPr>
+            <a:spLocks noGrp="1"/>
+          </p:cNvSpPr>
+          <p:nvPr>
+            <p:ph idx="1"/>
+          </p:nvPr>
+        </p:nvSpPr>
+        <p:spPr/>
+        <p:txBody>
+          <a:bodyPr/>
+          <a:lstStyle/>
+          <a:p>
+            <a:r>
+              <a:rPr lang="en-US" altLang="ko-KR" dirty="0"/>
+              <a:t>Decoder</a:t>
+            </a:r>
+          </a:p>
+          <a:p>
+            <a:endParaRPr lang="en-US" altLang="ko-KR" dirty="0"/>
+          </a:p>
+          <a:p>
+            <a:endParaRPr lang="ko-KR" altLang="en-US" dirty="0"/>
+          </a:p>
+        </p:txBody>
+      </p:sp>
+      <p:pic>
+        <p:nvPicPr>
+          <p:cNvPr id="6" name="Picture 2">
+            <a:extLst>
+              <a:ext uri="{FF2B5EF4-FFF2-40B4-BE49-F238E27FC236}">
+                <a16:creationId xmlns:a16="http://schemas.microsoft.com/office/drawing/2014/main" id="{A85DCCAC-877E-2954-8FA4-8E38351D941E}"/>
+              </a:ext>
+            </a:extLst>
+          </p:cNvPr>
+          <p:cNvPicPr>
+            <a:picLocks noChangeAspect="1" noChangeArrowheads="1"/>
+          </p:cNvPicPr>
+          <p:nvPr/>
+        </p:nvPicPr>
+        <p:blipFill>
+          <a:blip r:embed="rId2">
+            <a:extLst>
+              <a:ext uri="{28A0092B-C50C-407E-A947-70E740481C1C}">
+                <a14:useLocalDpi xmlns:a14="http://schemas.microsoft.com/office/drawing/2010/main" val="0"/>
+              </a:ext>
+            </a:extLst>
+          </a:blip>
+          <a:stretch>
+            <a:fillRect/>
+          </a:stretch>
+        </p:blipFill>
+        <p:spPr bwMode="auto">
+          <a:xfrm>
+            <a:off x="8267541" y="2140648"/>
+            <a:ext cx="3086259" cy="3721291"/>
+          </a:xfrm>
+          <a:prstGeom prst="rect">
+            <a:avLst/>
+          </a:prstGeom>
+          <a:noFill/>
+          <a:extLst>
+            <a:ext uri="{909E8E84-426E-40DD-AFC4-6F175D3DCCD1}">
+              <a14:hiddenFill xmlns:a14="http://schemas.microsoft.com/office/drawing/2010/main">
+                <a:solidFill>
+                  <a:srgbClr val="FFFFFF"/>
+                </a:solidFill>
+              </a14:hiddenFill>
+            </a:ext>
+          </a:extLst>
+        </p:spPr>
+      </p:pic>
+    </p:spTree>
+    <p:extLst>
+      <p:ext uri="{BB962C8B-B14F-4D97-AF65-F5344CB8AC3E}">
+        <p14:creationId xmlns:p14="http://schemas.microsoft.com/office/powerpoint/2010/main" val="940326174"/>
       </p:ext>
     </p:extLst>
   </p:cSld>

--- a/LSTM_Transformer_Parallel.pptx
+++ b/LSTM_Transformer_Parallel.pptx
@@ -3709,6 +3709,14 @@
             </a:r>
           </a:p>
           <a:p>
+            <a:pPr lvl="1"/>
+            <a:r>
+              <a:rPr lang="ko-KR" altLang="en-US" dirty="0"/>
+              <a:t>입력을 받아서 벡터로 인코딩</a:t>
+            </a:r>
+            <a:endParaRPr lang="en-US" altLang="ko-KR" dirty="0"/>
+          </a:p>
+          <a:p>
             <a:endParaRPr lang="en-US" altLang="ko-KR" dirty="0"/>
           </a:p>
           <a:p>
@@ -3745,6 +3753,29 @@
             <a:endParaRPr lang="en-US" altLang="ko-KR" dirty="0"/>
           </a:p>
           <a:p>
+            <a:r>
+              <a:rPr lang="en-US" altLang="ko-KR" dirty="0"/>
+              <a:t>Multi-Head Self-Attention</a:t>
+            </a:r>
+          </a:p>
+          <a:p>
+            <a:pPr lvl="1"/>
+            <a:r>
+              <a:rPr lang="ko-KR" altLang="en-US" dirty="0"/>
+              <a:t>여러 </a:t>
+            </a:r>
+            <a:r>
+              <a:rPr lang="en-US" altLang="ko-KR" dirty="0"/>
+              <a:t>Head</a:t>
+            </a:r>
+            <a:r>
+              <a:rPr lang="ko-KR" altLang="en-US" dirty="0"/>
+              <a:t>로 분할하여 병렬로 </a:t>
+            </a:r>
+            <a:r>
+              <a:rPr lang="en-US" altLang="ko-KR" dirty="0"/>
+              <a:t>Self Attention</a:t>
+            </a:r>
             <a:endParaRPr lang="ko-KR" altLang="en-US" dirty="0"/>
           </a:p>
         </p:txBody>
@@ -3887,6 +3918,11 @@
             </a:r>
           </a:p>
           <a:p>
+            <a:pPr lvl="1"/>
+            <a:r>
+              <a:rPr lang="ko-KR" altLang="en-US" dirty="0"/>
+              <a:t>인코더의 출력을 바탕으로 출력 시퀀스 생성</a:t>
+            </a:r>
             <a:endParaRPr lang="en-US" altLang="ko-KR" dirty="0"/>
           </a:p>
           <a:p>

--- a/LSTM_Transformer_Parallel.pptx
+++ b/LSTM_Transformer_Parallel.pptx
@@ -4,12 +4,16 @@
   <p:sldMasterIdLst>
     <p:sldMasterId id="2147483648" r:id="rId1"/>
   </p:sldMasterIdLst>
+  <p:notesMasterIdLst>
+    <p:notesMasterId r:id="rId8"/>
+  </p:notesMasterIdLst>
   <p:sldIdLst>
     <p:sldId id="256" r:id="rId2"/>
     <p:sldId id="257" r:id="rId3"/>
     <p:sldId id="258" r:id="rId4"/>
     <p:sldId id="259" r:id="rId5"/>
-    <p:sldId id="260" r:id="rId6"/>
+    <p:sldId id="261" r:id="rId6"/>
+    <p:sldId id="260" r:id="rId7"/>
   </p:sldIdLst>
   <p:sldSz cx="12192000" cy="6858000"/>
   <p:notesSz cx="6858000" cy="9144000"/>
@@ -116,6 +120,439 @@
 </p:presentation>
 </file>
 
+<file path=ppt/notesMasters/notesMaster1.xml><?xml version="1.0" encoding="utf-8"?>
+<p:notesMaster xmlns:a="http://schemas.openxmlformats.org/drawingml/2006/main" xmlns:r="http://schemas.openxmlformats.org/officeDocument/2006/relationships" xmlns:p="http://schemas.openxmlformats.org/presentationml/2006/main">
+  <p:cSld>
+    <p:bg>
+      <p:bgRef idx="1001">
+        <a:schemeClr val="bg1"/>
+      </p:bgRef>
+    </p:bg>
+    <p:spTree>
+      <p:nvGrpSpPr>
+        <p:cNvPr id="1" name=""/>
+        <p:cNvGrpSpPr/>
+        <p:nvPr/>
+      </p:nvGrpSpPr>
+      <p:grpSpPr>
+        <a:xfrm>
+          <a:off x="0" y="0"/>
+          <a:ext cx="0" cy="0"/>
+          <a:chOff x="0" y="0"/>
+          <a:chExt cx="0" cy="0"/>
+        </a:xfrm>
+      </p:grpSpPr>
+      <p:sp>
+        <p:nvSpPr>
+          <p:cNvPr id="2" name="머리글 개체 틀 1"/>
+          <p:cNvSpPr>
+            <a:spLocks noGrp="1"/>
+          </p:cNvSpPr>
+          <p:nvPr>
+            <p:ph type="hdr" sz="quarter"/>
+          </p:nvPr>
+        </p:nvSpPr>
+        <p:spPr>
+          <a:xfrm>
+            <a:off x="0" y="0"/>
+            <a:ext cx="2971800" cy="458788"/>
+          </a:xfrm>
+          <a:prstGeom prst="rect">
+            <a:avLst/>
+          </a:prstGeom>
+        </p:spPr>
+        <p:txBody>
+          <a:bodyPr vert="horz" lIns="91440" tIns="45720" rIns="91440" bIns="45720" rtlCol="0"/>
+          <a:lstStyle>
+            <a:lvl1pPr algn="l">
+              <a:defRPr sz="1200"/>
+            </a:lvl1pPr>
+          </a:lstStyle>
+          <a:p>
+            <a:endParaRPr lang="ko-KR" altLang="en-US"/>
+          </a:p>
+        </p:txBody>
+      </p:sp>
+      <p:sp>
+        <p:nvSpPr>
+          <p:cNvPr id="3" name="날짜 개체 틀 2"/>
+          <p:cNvSpPr>
+            <a:spLocks noGrp="1"/>
+          </p:cNvSpPr>
+          <p:nvPr>
+            <p:ph type="dt" idx="1"/>
+          </p:nvPr>
+        </p:nvSpPr>
+        <p:spPr>
+          <a:xfrm>
+            <a:off x="3884613" y="0"/>
+            <a:ext cx="2971800" cy="458788"/>
+          </a:xfrm>
+          <a:prstGeom prst="rect">
+            <a:avLst/>
+          </a:prstGeom>
+        </p:spPr>
+        <p:txBody>
+          <a:bodyPr vert="horz" lIns="91440" tIns="45720" rIns="91440" bIns="45720" rtlCol="0"/>
+          <a:lstStyle>
+            <a:lvl1pPr algn="r">
+              <a:defRPr sz="1200"/>
+            </a:lvl1pPr>
+          </a:lstStyle>
+          <a:p>
+            <a:fld id="{6D0F13C0-8CBA-4EC6-A716-489B6827C886}" type="datetimeFigureOut">
+              <a:rPr lang="ko-KR" altLang="en-US" smtClean="0"/>
+              <a:t>2025-04-09</a:t>
+            </a:fld>
+            <a:endParaRPr lang="ko-KR" altLang="en-US"/>
+          </a:p>
+        </p:txBody>
+      </p:sp>
+      <p:sp>
+        <p:nvSpPr>
+          <p:cNvPr id="4" name="슬라이드 이미지 개체 틀 3"/>
+          <p:cNvSpPr>
+            <a:spLocks noGrp="1" noRot="1" noChangeAspect="1"/>
+          </p:cNvSpPr>
+          <p:nvPr>
+            <p:ph type="sldImg" idx="2"/>
+          </p:nvPr>
+        </p:nvSpPr>
+        <p:spPr>
+          <a:xfrm>
+            <a:off x="685800" y="1143000"/>
+            <a:ext cx="5486400" cy="3086100"/>
+          </a:xfrm>
+          <a:prstGeom prst="rect">
+            <a:avLst/>
+          </a:prstGeom>
+          <a:noFill/>
+          <a:ln w="12700">
+            <a:solidFill>
+              <a:prstClr val="black"/>
+            </a:solidFill>
+          </a:ln>
+        </p:spPr>
+        <p:txBody>
+          <a:bodyPr vert="horz" lIns="91440" tIns="45720" rIns="91440" bIns="45720" rtlCol="0" anchor="ctr"/>
+          <a:lstStyle/>
+          <a:p>
+            <a:endParaRPr lang="ko-KR" altLang="en-US"/>
+          </a:p>
+        </p:txBody>
+      </p:sp>
+      <p:sp>
+        <p:nvSpPr>
+          <p:cNvPr id="5" name="슬라이드 노트 개체 틀 4"/>
+          <p:cNvSpPr>
+            <a:spLocks noGrp="1"/>
+          </p:cNvSpPr>
+          <p:nvPr>
+            <p:ph type="body" sz="quarter" idx="3"/>
+          </p:nvPr>
+        </p:nvSpPr>
+        <p:spPr>
+          <a:xfrm>
+            <a:off x="685800" y="4400550"/>
+            <a:ext cx="5486400" cy="3600450"/>
+          </a:xfrm>
+          <a:prstGeom prst="rect">
+            <a:avLst/>
+          </a:prstGeom>
+        </p:spPr>
+        <p:txBody>
+          <a:bodyPr vert="horz" lIns="91440" tIns="45720" rIns="91440" bIns="45720" rtlCol="0"/>
+          <a:lstStyle/>
+          <a:p>
+            <a:pPr lvl="0"/>
+            <a:r>
+              <a:rPr lang="ko-KR" altLang="en-US"/>
+              <a:t>마스터 텍스트 스타일을 편집하려면 클릭</a:t>
+            </a:r>
+          </a:p>
+          <a:p>
+            <a:pPr lvl="1"/>
+            <a:r>
+              <a:rPr lang="ko-KR" altLang="en-US"/>
+              <a:t>두 번째 수준</a:t>
+            </a:r>
+          </a:p>
+          <a:p>
+            <a:pPr lvl="2"/>
+            <a:r>
+              <a:rPr lang="ko-KR" altLang="en-US"/>
+              <a:t>세 번째 수준</a:t>
+            </a:r>
+          </a:p>
+          <a:p>
+            <a:pPr lvl="3"/>
+            <a:r>
+              <a:rPr lang="ko-KR" altLang="en-US"/>
+              <a:t>네 번째 수준</a:t>
+            </a:r>
+          </a:p>
+          <a:p>
+            <a:pPr lvl="4"/>
+            <a:r>
+              <a:rPr lang="ko-KR" altLang="en-US"/>
+              <a:t>다섯 번째 수준</a:t>
+            </a:r>
+          </a:p>
+        </p:txBody>
+      </p:sp>
+      <p:sp>
+        <p:nvSpPr>
+          <p:cNvPr id="6" name="바닥글 개체 틀 5"/>
+          <p:cNvSpPr>
+            <a:spLocks noGrp="1"/>
+          </p:cNvSpPr>
+          <p:nvPr>
+            <p:ph type="ftr" sz="quarter" idx="4"/>
+          </p:nvPr>
+        </p:nvSpPr>
+        <p:spPr>
+          <a:xfrm>
+            <a:off x="0" y="8685213"/>
+            <a:ext cx="2971800" cy="458787"/>
+          </a:xfrm>
+          <a:prstGeom prst="rect">
+            <a:avLst/>
+          </a:prstGeom>
+        </p:spPr>
+        <p:txBody>
+          <a:bodyPr vert="horz" lIns="91440" tIns="45720" rIns="91440" bIns="45720" rtlCol="0" anchor="b"/>
+          <a:lstStyle>
+            <a:lvl1pPr algn="l">
+              <a:defRPr sz="1200"/>
+            </a:lvl1pPr>
+          </a:lstStyle>
+          <a:p>
+            <a:endParaRPr lang="ko-KR" altLang="en-US"/>
+          </a:p>
+        </p:txBody>
+      </p:sp>
+      <p:sp>
+        <p:nvSpPr>
+          <p:cNvPr id="7" name="슬라이드 번호 개체 틀 6"/>
+          <p:cNvSpPr>
+            <a:spLocks noGrp="1"/>
+          </p:cNvSpPr>
+          <p:nvPr>
+            <p:ph type="sldNum" sz="quarter" idx="5"/>
+          </p:nvPr>
+        </p:nvSpPr>
+        <p:spPr>
+          <a:xfrm>
+            <a:off x="3884613" y="8685213"/>
+            <a:ext cx="2971800" cy="458787"/>
+          </a:xfrm>
+          <a:prstGeom prst="rect">
+            <a:avLst/>
+          </a:prstGeom>
+        </p:spPr>
+        <p:txBody>
+          <a:bodyPr vert="horz" lIns="91440" tIns="45720" rIns="91440" bIns="45720" rtlCol="0" anchor="b"/>
+          <a:lstStyle>
+            <a:lvl1pPr algn="r">
+              <a:defRPr sz="1200"/>
+            </a:lvl1pPr>
+          </a:lstStyle>
+          <a:p>
+            <a:fld id="{D6525291-998D-4ACC-9404-95973D62A174}" type="slidenum">
+              <a:rPr lang="ko-KR" altLang="en-US" smtClean="0"/>
+              <a:t>‹#›</a:t>
+            </a:fld>
+            <a:endParaRPr lang="ko-KR" altLang="en-US"/>
+          </a:p>
+        </p:txBody>
+      </p:sp>
+    </p:spTree>
+    <p:extLst>
+      <p:ext uri="{BB962C8B-B14F-4D97-AF65-F5344CB8AC3E}">
+        <p14:creationId xmlns:p14="http://schemas.microsoft.com/office/powerpoint/2010/main" val="1300716172"/>
+      </p:ext>
+    </p:extLst>
+  </p:cSld>
+  <p:clrMap bg1="lt1" tx1="dk1" bg2="lt2" tx2="dk2" accent1="accent1" accent2="accent2" accent3="accent3" accent4="accent4" accent5="accent5" accent6="accent6" hlink="hlink" folHlink="folHlink"/>
+  <p:notesStyle>
+    <a:lvl1pPr marL="0" algn="l" defTabSz="914400" rtl="0" eaLnBrk="1" latinLnBrk="1" hangingPunct="1">
+      <a:defRPr sz="1200" kern="1200">
+        <a:solidFill>
+          <a:schemeClr val="tx1"/>
+        </a:solidFill>
+        <a:latin typeface="+mn-lt"/>
+        <a:ea typeface="+mn-ea"/>
+        <a:cs typeface="+mn-cs"/>
+      </a:defRPr>
+    </a:lvl1pPr>
+    <a:lvl2pPr marL="457200" algn="l" defTabSz="914400" rtl="0" eaLnBrk="1" latinLnBrk="1" hangingPunct="1">
+      <a:defRPr sz="1200" kern="1200">
+        <a:solidFill>
+          <a:schemeClr val="tx1"/>
+        </a:solidFill>
+        <a:latin typeface="+mn-lt"/>
+        <a:ea typeface="+mn-ea"/>
+        <a:cs typeface="+mn-cs"/>
+      </a:defRPr>
+    </a:lvl2pPr>
+    <a:lvl3pPr marL="914400" algn="l" defTabSz="914400" rtl="0" eaLnBrk="1" latinLnBrk="1" hangingPunct="1">
+      <a:defRPr sz="1200" kern="1200">
+        <a:solidFill>
+          <a:schemeClr val="tx1"/>
+        </a:solidFill>
+        <a:latin typeface="+mn-lt"/>
+        <a:ea typeface="+mn-ea"/>
+        <a:cs typeface="+mn-cs"/>
+      </a:defRPr>
+    </a:lvl3pPr>
+    <a:lvl4pPr marL="1371600" algn="l" defTabSz="914400" rtl="0" eaLnBrk="1" latinLnBrk="1" hangingPunct="1">
+      <a:defRPr sz="1200" kern="1200">
+        <a:solidFill>
+          <a:schemeClr val="tx1"/>
+        </a:solidFill>
+        <a:latin typeface="+mn-lt"/>
+        <a:ea typeface="+mn-ea"/>
+        <a:cs typeface="+mn-cs"/>
+      </a:defRPr>
+    </a:lvl4pPr>
+    <a:lvl5pPr marL="1828800" algn="l" defTabSz="914400" rtl="0" eaLnBrk="1" latinLnBrk="1" hangingPunct="1">
+      <a:defRPr sz="1200" kern="1200">
+        <a:solidFill>
+          <a:schemeClr val="tx1"/>
+        </a:solidFill>
+        <a:latin typeface="+mn-lt"/>
+        <a:ea typeface="+mn-ea"/>
+        <a:cs typeface="+mn-cs"/>
+      </a:defRPr>
+    </a:lvl5pPr>
+    <a:lvl6pPr marL="2286000" algn="l" defTabSz="914400" rtl="0" eaLnBrk="1" latinLnBrk="1" hangingPunct="1">
+      <a:defRPr sz="1200" kern="1200">
+        <a:solidFill>
+          <a:schemeClr val="tx1"/>
+        </a:solidFill>
+        <a:latin typeface="+mn-lt"/>
+        <a:ea typeface="+mn-ea"/>
+        <a:cs typeface="+mn-cs"/>
+      </a:defRPr>
+    </a:lvl6pPr>
+    <a:lvl7pPr marL="2743200" algn="l" defTabSz="914400" rtl="0" eaLnBrk="1" latinLnBrk="1" hangingPunct="1">
+      <a:defRPr sz="1200" kern="1200">
+        <a:solidFill>
+          <a:schemeClr val="tx1"/>
+        </a:solidFill>
+        <a:latin typeface="+mn-lt"/>
+        <a:ea typeface="+mn-ea"/>
+        <a:cs typeface="+mn-cs"/>
+      </a:defRPr>
+    </a:lvl7pPr>
+    <a:lvl8pPr marL="3200400" algn="l" defTabSz="914400" rtl="0" eaLnBrk="1" latinLnBrk="1" hangingPunct="1">
+      <a:defRPr sz="1200" kern="1200">
+        <a:solidFill>
+          <a:schemeClr val="tx1"/>
+        </a:solidFill>
+        <a:latin typeface="+mn-lt"/>
+        <a:ea typeface="+mn-ea"/>
+        <a:cs typeface="+mn-cs"/>
+      </a:defRPr>
+    </a:lvl8pPr>
+    <a:lvl9pPr marL="3657600" algn="l" defTabSz="914400" rtl="0" eaLnBrk="1" latinLnBrk="1" hangingPunct="1">
+      <a:defRPr sz="1200" kern="1200">
+        <a:solidFill>
+          <a:schemeClr val="tx1"/>
+        </a:solidFill>
+        <a:latin typeface="+mn-lt"/>
+        <a:ea typeface="+mn-ea"/>
+        <a:cs typeface="+mn-cs"/>
+      </a:defRPr>
+    </a:lvl9pPr>
+  </p:notesStyle>
+</p:notesMaster>
+</file>
+
+<file path=ppt/notesSlides/notesSlide1.xml><?xml version="1.0" encoding="utf-8"?>
+<p:notes xmlns:a="http://schemas.openxmlformats.org/drawingml/2006/main" xmlns:r="http://schemas.openxmlformats.org/officeDocument/2006/relationships" xmlns:p="http://schemas.openxmlformats.org/presentationml/2006/main">
+  <p:cSld>
+    <p:spTree>
+      <p:nvGrpSpPr>
+        <p:cNvPr id="1" name=""/>
+        <p:cNvGrpSpPr/>
+        <p:nvPr/>
+      </p:nvGrpSpPr>
+      <p:grpSpPr>
+        <a:xfrm>
+          <a:off x="0" y="0"/>
+          <a:ext cx="0" cy="0"/>
+          <a:chOff x="0" y="0"/>
+          <a:chExt cx="0" cy="0"/>
+        </a:xfrm>
+      </p:grpSpPr>
+      <p:sp>
+        <p:nvSpPr>
+          <p:cNvPr id="2" name="슬라이드 이미지 개체 틀 1"/>
+          <p:cNvSpPr>
+            <a:spLocks noGrp="1" noRot="1" noChangeAspect="1"/>
+          </p:cNvSpPr>
+          <p:nvPr>
+            <p:ph type="sldImg"/>
+          </p:nvPr>
+        </p:nvSpPr>
+        <p:spPr/>
+      </p:sp>
+      <p:sp>
+        <p:nvSpPr>
+          <p:cNvPr id="3" name="슬라이드 노트 개체 틀 2"/>
+          <p:cNvSpPr>
+            <a:spLocks noGrp="1"/>
+          </p:cNvSpPr>
+          <p:nvPr>
+            <p:ph type="body" idx="1"/>
+          </p:nvPr>
+        </p:nvSpPr>
+        <p:spPr/>
+        <p:txBody>
+          <a:bodyPr/>
+          <a:lstStyle/>
+          <a:p>
+            <a:endParaRPr lang="ko-KR" altLang="en-US"/>
+          </a:p>
+        </p:txBody>
+      </p:sp>
+      <p:sp>
+        <p:nvSpPr>
+          <p:cNvPr id="4" name="슬라이드 번호 개체 틀 3"/>
+          <p:cNvSpPr>
+            <a:spLocks noGrp="1"/>
+          </p:cNvSpPr>
+          <p:nvPr>
+            <p:ph type="sldNum" sz="quarter" idx="5"/>
+          </p:nvPr>
+        </p:nvSpPr>
+        <p:spPr/>
+        <p:txBody>
+          <a:bodyPr/>
+          <a:lstStyle/>
+          <a:p>
+            <a:fld id="{D6525291-998D-4ACC-9404-95973D62A174}" type="slidenum">
+              <a:rPr lang="ko-KR" altLang="en-US" smtClean="0"/>
+              <a:t>4</a:t>
+            </a:fld>
+            <a:endParaRPr lang="ko-KR" altLang="en-US"/>
+          </a:p>
+        </p:txBody>
+      </p:sp>
+    </p:spTree>
+    <p:extLst>
+      <p:ext uri="{BB962C8B-B14F-4D97-AF65-F5344CB8AC3E}">
+        <p14:creationId xmlns:p14="http://schemas.microsoft.com/office/powerpoint/2010/main" val="2647673566"/>
+      </p:ext>
+    </p:extLst>
+  </p:cSld>
+  <p:clrMapOvr>
+    <a:masterClrMapping/>
+  </p:clrMapOvr>
+</p:notes>
+</file>
+
 <file path=ppt/slideLayouts/slideLayout1.xml><?xml version="1.0" encoding="utf-8"?>
 <p:sldLayout xmlns:a="http://schemas.openxmlformats.org/drawingml/2006/main" xmlns:r="http://schemas.openxmlformats.org/officeDocument/2006/relationships" xmlns:p="http://schemas.openxmlformats.org/presentationml/2006/main" type="title" preserve="1">
   <p:cSld name="제목 슬라이드">
@@ -263,7 +700,7 @@
           <a:p>
             <a:fld id="{D4210B8B-8672-4B0B-A4D1-AFFD493BCEC2}" type="datetimeFigureOut">
               <a:rPr lang="ko-KR" altLang="en-US" smtClean="0"/>
-              <a:t>2025-04-08</a:t>
+              <a:t>2025-04-09</a:t>
             </a:fld>
             <a:endParaRPr lang="ko-KR" altLang="en-US"/>
           </a:p>
@@ -461,7 +898,7 @@
           <a:p>
             <a:fld id="{D4210B8B-8672-4B0B-A4D1-AFFD493BCEC2}" type="datetimeFigureOut">
               <a:rPr lang="ko-KR" altLang="en-US" smtClean="0"/>
-              <a:t>2025-04-08</a:t>
+              <a:t>2025-04-09</a:t>
             </a:fld>
             <a:endParaRPr lang="ko-KR" altLang="en-US"/>
           </a:p>
@@ -669,7 +1106,7 @@
           <a:p>
             <a:fld id="{D4210B8B-8672-4B0B-A4D1-AFFD493BCEC2}" type="datetimeFigureOut">
               <a:rPr lang="ko-KR" altLang="en-US" smtClean="0"/>
-              <a:t>2025-04-08</a:t>
+              <a:t>2025-04-09</a:t>
             </a:fld>
             <a:endParaRPr lang="ko-KR" altLang="en-US"/>
           </a:p>
@@ -867,7 +1304,7 @@
           <a:p>
             <a:fld id="{D4210B8B-8672-4B0B-A4D1-AFFD493BCEC2}" type="datetimeFigureOut">
               <a:rPr lang="ko-KR" altLang="en-US" smtClean="0"/>
-              <a:t>2025-04-08</a:t>
+              <a:t>2025-04-09</a:t>
             </a:fld>
             <a:endParaRPr lang="ko-KR" altLang="en-US"/>
           </a:p>
@@ -1142,7 +1579,7 @@
           <a:p>
             <a:fld id="{D4210B8B-8672-4B0B-A4D1-AFFD493BCEC2}" type="datetimeFigureOut">
               <a:rPr lang="ko-KR" altLang="en-US" smtClean="0"/>
-              <a:t>2025-04-08</a:t>
+              <a:t>2025-04-09</a:t>
             </a:fld>
             <a:endParaRPr lang="ko-KR" altLang="en-US"/>
           </a:p>
@@ -1407,7 +1844,7 @@
           <a:p>
             <a:fld id="{D4210B8B-8672-4B0B-A4D1-AFFD493BCEC2}" type="datetimeFigureOut">
               <a:rPr lang="ko-KR" altLang="en-US" smtClean="0"/>
-              <a:t>2025-04-08</a:t>
+              <a:t>2025-04-09</a:t>
             </a:fld>
             <a:endParaRPr lang="ko-KR" altLang="en-US"/>
           </a:p>
@@ -1819,7 +2256,7 @@
           <a:p>
             <a:fld id="{D4210B8B-8672-4B0B-A4D1-AFFD493BCEC2}" type="datetimeFigureOut">
               <a:rPr lang="ko-KR" altLang="en-US" smtClean="0"/>
-              <a:t>2025-04-08</a:t>
+              <a:t>2025-04-09</a:t>
             </a:fld>
             <a:endParaRPr lang="ko-KR" altLang="en-US"/>
           </a:p>
@@ -1960,7 +2397,7 @@
           <a:p>
             <a:fld id="{D4210B8B-8672-4B0B-A4D1-AFFD493BCEC2}" type="datetimeFigureOut">
               <a:rPr lang="ko-KR" altLang="en-US" smtClean="0"/>
-              <a:t>2025-04-08</a:t>
+              <a:t>2025-04-09</a:t>
             </a:fld>
             <a:endParaRPr lang="ko-KR" altLang="en-US"/>
           </a:p>
@@ -2073,7 +2510,7 @@
           <a:p>
             <a:fld id="{D4210B8B-8672-4B0B-A4D1-AFFD493BCEC2}" type="datetimeFigureOut">
               <a:rPr lang="ko-KR" altLang="en-US" smtClean="0"/>
-              <a:t>2025-04-08</a:t>
+              <a:t>2025-04-09</a:t>
             </a:fld>
             <a:endParaRPr lang="ko-KR" altLang="en-US"/>
           </a:p>
@@ -2384,7 +2821,7 @@
           <a:p>
             <a:fld id="{D4210B8B-8672-4B0B-A4D1-AFFD493BCEC2}" type="datetimeFigureOut">
               <a:rPr lang="ko-KR" altLang="en-US" smtClean="0"/>
-              <a:t>2025-04-08</a:t>
+              <a:t>2025-04-09</a:t>
             </a:fld>
             <a:endParaRPr lang="ko-KR" altLang="en-US"/>
           </a:p>
@@ -2672,7 +3109,7 @@
           <a:p>
             <a:fld id="{D4210B8B-8672-4B0B-A4D1-AFFD493BCEC2}" type="datetimeFigureOut">
               <a:rPr lang="ko-KR" altLang="en-US" smtClean="0"/>
-              <a:t>2025-04-08</a:t>
+              <a:t>2025-04-09</a:t>
             </a:fld>
             <a:endParaRPr lang="ko-KR" altLang="en-US"/>
           </a:p>
@@ -2913,7 +3350,7 @@
           <a:p>
             <a:fld id="{D4210B8B-8672-4B0B-A4D1-AFFD493BCEC2}" type="datetimeFigureOut">
               <a:rPr lang="ko-KR" altLang="en-US" smtClean="0"/>
-              <a:t>2025-04-08</a:t>
+              <a:t>2025-04-09</a:t>
             </a:fld>
             <a:endParaRPr lang="ko-KR" altLang="en-US"/>
           </a:p>
@@ -3605,7 +4042,7 @@
           <a:p>
             <a:r>
               <a:rPr lang="en-US" altLang="ko-KR" dirty="0"/>
-              <a:t>Self-Attention </a:t>
+              <a:t>Attention </a:t>
             </a:r>
             <a:r>
               <a:rPr lang="ko-KR" altLang="en-US" dirty="0"/>
@@ -3617,7 +4054,7 @@
             <a:pPr lvl="1"/>
             <a:r>
               <a:rPr lang="ko-KR" altLang="en-US" dirty="0"/>
-              <a:t>특정 시점 강조 가능</a:t>
+              <a:t>특정 시점에 가중치 부여</a:t>
             </a:r>
             <a:endParaRPr lang="en-US" altLang="ko-KR" dirty="0"/>
           </a:p>
@@ -3704,79 +4141,91 @@
           <a:lstStyle/>
           <a:p>
             <a:r>
-              <a:rPr lang="en-US" altLang="ko-KR" dirty="0"/>
-              <a:t>Encoder</a:t>
+              <a:rPr lang="en-US" altLang="ko-KR" sz="2400" dirty="0"/>
+              <a:t>Positioning</a:t>
+            </a:r>
+            <a:r>
+              <a:rPr lang="ko-KR" altLang="en-US" sz="2400" dirty="0"/>
+              <a:t> </a:t>
+            </a:r>
+            <a:r>
+              <a:rPr lang="en-US" altLang="ko-KR" sz="2400" dirty="0"/>
+              <a:t>Encoding</a:t>
             </a:r>
           </a:p>
           <a:p>
             <a:pPr lvl="1"/>
             <a:r>
-              <a:rPr lang="ko-KR" altLang="en-US" dirty="0"/>
-              <a:t>입력을 받아서 벡터로 인코딩</a:t>
-            </a:r>
+              <a:rPr lang="ko-KR" altLang="en-US" sz="2000" dirty="0"/>
+              <a:t>순서대로 입력이 들어가지 않음</a:t>
+            </a:r>
+            <a:endParaRPr lang="en-US" altLang="ko-KR" sz="2000" dirty="0"/>
+          </a:p>
+          <a:p>
+            <a:pPr lvl="1"/>
+            <a:r>
+              <a:rPr lang="ko-KR" altLang="en-US" sz="2000" dirty="0"/>
+              <a:t>따라서 순서 정보를 인위적으로 추가</a:t>
+            </a:r>
+            <a:endParaRPr lang="en-US" altLang="ko-KR" sz="2000" dirty="0"/>
+          </a:p>
+          <a:p>
+            <a:pPr lvl="1"/>
             <a:endParaRPr lang="en-US" altLang="ko-KR" dirty="0"/>
           </a:p>
           <a:p>
-            <a:endParaRPr lang="en-US" altLang="ko-KR" dirty="0"/>
-          </a:p>
-          <a:p>
-            <a:r>
-              <a:rPr lang="en-US" altLang="ko-KR" dirty="0"/>
-              <a:t>Positioning</a:t>
-            </a:r>
-            <a:r>
-              <a:rPr lang="ko-KR" altLang="en-US" dirty="0"/>
-              <a:t> </a:t>
-            </a:r>
-            <a:r>
-              <a:rPr lang="en-US" altLang="ko-KR" dirty="0"/>
-              <a:t>Encoding</a:t>
-            </a:r>
+            <a:r>
+              <a:rPr lang="en-US" altLang="ko-KR" sz="2400" dirty="0"/>
+              <a:t>Transformer</a:t>
+            </a:r>
+            <a:r>
+              <a:rPr lang="ko-KR" altLang="en-US" sz="2400" dirty="0"/>
+              <a:t>을 처음 제시한 논문에서는 </a:t>
+            </a:r>
+            <a:r>
+              <a:rPr lang="en-US" altLang="ko-KR" sz="2400" dirty="0"/>
+              <a:t>N = 6 </a:t>
+            </a:r>
+            <a:r>
+              <a:rPr lang="ko-KR" altLang="en-US" sz="2400" dirty="0"/>
+              <a:t>설정</a:t>
+            </a:r>
+            <a:endParaRPr lang="en-US" altLang="ko-KR" sz="1800" dirty="0"/>
           </a:p>
           <a:p>
             <a:pPr lvl="1"/>
             <a:r>
-              <a:rPr lang="ko-KR" altLang="en-US" dirty="0"/>
-              <a:t>순서대로 입력이 들어가지 않음</a:t>
-            </a:r>
-            <a:endParaRPr lang="en-US" altLang="ko-KR" dirty="0"/>
+              <a:rPr lang="en-US" altLang="ko-KR" sz="2000" dirty="0"/>
+              <a:t>N</a:t>
+            </a:r>
+            <a:r>
+              <a:rPr lang="ko-KR" altLang="en-US" sz="2000" dirty="0"/>
+              <a:t>은 </a:t>
+            </a:r>
+            <a:r>
+              <a:rPr lang="en-US" altLang="ko-KR" sz="2000" dirty="0"/>
+              <a:t>Layer</a:t>
+            </a:r>
+            <a:r>
+              <a:rPr lang="ko-KR" altLang="en-US" sz="2000" dirty="0"/>
+              <a:t>의 개수</a:t>
+            </a:r>
+            <a:endParaRPr lang="en-US" altLang="ko-KR" sz="2000" dirty="0"/>
           </a:p>
           <a:p>
             <a:pPr lvl="1"/>
-            <a:r>
-              <a:rPr lang="ko-KR" altLang="en-US" dirty="0"/>
-              <a:t>따라서 순서 정보를 인위적으로 추가</a:t>
-            </a:r>
-            <a:endParaRPr lang="en-US" altLang="ko-KR" dirty="0"/>
-          </a:p>
-          <a:p>
-            <a:endParaRPr lang="en-US" altLang="ko-KR" dirty="0"/>
-          </a:p>
-          <a:p>
-            <a:r>
-              <a:rPr lang="en-US" altLang="ko-KR" dirty="0"/>
-              <a:t>Multi-Head Self-Attention</a:t>
-            </a:r>
-          </a:p>
-          <a:p>
-            <a:pPr lvl="1"/>
-            <a:r>
-              <a:rPr lang="ko-KR" altLang="en-US" dirty="0"/>
-              <a:t>여러 </a:t>
-            </a:r>
-            <a:r>
-              <a:rPr lang="en-US" altLang="ko-KR" dirty="0"/>
-              <a:t>Head</a:t>
-            </a:r>
-            <a:r>
-              <a:rPr lang="ko-KR" altLang="en-US" dirty="0"/>
-              <a:t>로 분할하여 병렬로 </a:t>
-            </a:r>
-            <a:r>
-              <a:rPr lang="en-US" altLang="ko-KR" dirty="0"/>
-              <a:t>Self Attention</a:t>
-            </a:r>
-            <a:endParaRPr lang="ko-KR" altLang="en-US" dirty="0"/>
+            <a:endParaRPr lang="en-US" altLang="ko-KR" sz="2000" dirty="0"/>
+          </a:p>
+          <a:p>
+            <a:r>
+              <a:rPr lang="en-US" altLang="ko-KR" sz="2400" dirty="0"/>
+              <a:t>RNN (Recurrent Neural Network) </a:t>
+            </a:r>
+            <a:r>
+              <a:rPr lang="ko-KR" altLang="en-US" sz="2400" dirty="0"/>
+              <a:t>사용하지 않음</a:t>
+            </a:r>
+            <a:endParaRPr lang="en-US" altLang="ko-KR" sz="2400" dirty="0"/>
           </a:p>
         </p:txBody>
       </p:sp>
@@ -3795,7 +4244,7 @@
           <p:nvPr/>
         </p:nvPicPr>
         <p:blipFill>
-          <a:blip r:embed="rId2">
+          <a:blip r:embed="rId3">
             <a:extLst>
               <a:ext uri="{28A0092B-C50C-407E-A947-70E740481C1C}">
                 <a14:useLocalDpi xmlns:a14="http://schemas.microsoft.com/office/drawing/2010/main" val="0"/>
@@ -3844,13 +4293,7 @@
   <p:cSld>
     <p:spTree>
       <p:nvGrpSpPr>
-        <p:cNvPr id="1" name="">
-          <a:extLst>
-            <a:ext uri="{FF2B5EF4-FFF2-40B4-BE49-F238E27FC236}">
-              <a16:creationId xmlns:a16="http://schemas.microsoft.com/office/drawing/2014/main" id="{C22BE263-1774-CEBD-AE7E-A966430AED5E}"/>
-            </a:ext>
-          </a:extLst>
-        </p:cNvPr>
+        <p:cNvPr id="1" name=""/>
         <p:cNvGrpSpPr/>
         <p:nvPr/>
       </p:nvGrpSpPr>
@@ -3867,7 +4310,7 @@
           <p:cNvPr id="2" name="제목 1">
             <a:extLst>
               <a:ext uri="{FF2B5EF4-FFF2-40B4-BE49-F238E27FC236}">
-                <a16:creationId xmlns:a16="http://schemas.microsoft.com/office/drawing/2014/main" id="{6394F029-3947-84B4-A106-BBA67610CFD3}"/>
+                <a16:creationId xmlns:a16="http://schemas.microsoft.com/office/drawing/2014/main" id="{42655DEE-798E-7975-F775-62EA1EE2DD0C}"/>
               </a:ext>
             </a:extLst>
           </p:cNvPr>
@@ -3885,7 +4328,7 @@
           <a:p>
             <a:r>
               <a:rPr lang="en-US" altLang="ko-KR" dirty="0"/>
-              <a:t>Transformer</a:t>
+              <a:t>LSTM-Transformer</a:t>
             </a:r>
             <a:endParaRPr lang="ko-KR" altLang="en-US" dirty="0"/>
           </a:p>
@@ -3893,18 +4336,18 @@
       </p:sp>
       <p:sp>
         <p:nvSpPr>
-          <p:cNvPr id="5" name="내용 개체 틀 4">
-            <a:extLst>
-              <a:ext uri="{FF2B5EF4-FFF2-40B4-BE49-F238E27FC236}">
-                <a16:creationId xmlns:a16="http://schemas.microsoft.com/office/drawing/2014/main" id="{FC05CF5A-29B5-7FAB-E8B8-124C61DC99F1}"/>
-              </a:ext>
-            </a:extLst>
-          </p:cNvPr>
-          <p:cNvSpPr>
-            <a:spLocks noGrp="1"/>
-          </p:cNvSpPr>
-          <p:nvPr>
-            <p:ph idx="1"/>
+          <p:cNvPr id="3" name="내용 개체 틀 2">
+            <a:extLst>
+              <a:ext uri="{FF2B5EF4-FFF2-40B4-BE49-F238E27FC236}">
+                <a16:creationId xmlns:a16="http://schemas.microsoft.com/office/drawing/2014/main" id="{30A6B21C-0130-7215-E59B-8646757EA996}"/>
+              </a:ext>
+            </a:extLst>
+          </p:cNvPr>
+          <p:cNvSpPr>
+            <a:spLocks noGrp="1"/>
+          </p:cNvSpPr>
+          <p:nvPr>
+            <p:ph sz="half" idx="1"/>
           </p:nvPr>
         </p:nvSpPr>
         <p:spPr/>
@@ -3914,35 +4357,39 @@
           <a:p>
             <a:r>
               <a:rPr lang="en-US" altLang="ko-KR" dirty="0"/>
-              <a:t>Decoder</a:t>
-            </a:r>
-          </a:p>
-          <a:p>
-            <a:pPr lvl="1"/>
-            <a:r>
-              <a:rPr lang="ko-KR" altLang="en-US" dirty="0"/>
-              <a:t>인코더의 출력을 바탕으로 출력 시퀀스 생성</a:t>
-            </a:r>
-            <a:endParaRPr lang="en-US" altLang="ko-KR" dirty="0"/>
-          </a:p>
-          <a:p>
+              <a:t>LSTM layer</a:t>
+            </a:r>
+          </a:p>
+          <a:p>
+            <a:r>
+              <a:rPr lang="en-US" altLang="ko-KR" dirty="0"/>
+              <a:t>Transformer layer</a:t>
+            </a:r>
+          </a:p>
+          <a:p>
+            <a:r>
+              <a:rPr lang="en-US" altLang="ko-KR" dirty="0"/>
+              <a:t>Output layer</a:t>
+            </a:r>
             <a:endParaRPr lang="ko-KR" altLang="en-US" dirty="0"/>
           </a:p>
         </p:txBody>
       </p:sp>
       <p:pic>
         <p:nvPicPr>
-          <p:cNvPr id="6" name="Picture 2">
-            <a:extLst>
-              <a:ext uri="{FF2B5EF4-FFF2-40B4-BE49-F238E27FC236}">
-                <a16:creationId xmlns:a16="http://schemas.microsoft.com/office/drawing/2014/main" id="{A85DCCAC-877E-2954-8FA4-8E38351D941E}"/>
+          <p:cNvPr id="7" name="Picture 2" descr="Figure 3">
+            <a:extLst>
+              <a:ext uri="{FF2B5EF4-FFF2-40B4-BE49-F238E27FC236}">
+                <a16:creationId xmlns:a16="http://schemas.microsoft.com/office/drawing/2014/main" id="{876BFFC2-E4BA-95C4-F169-469136E1491D}"/>
               </a:ext>
             </a:extLst>
           </p:cNvPr>
           <p:cNvPicPr>
-            <a:picLocks noChangeAspect="1" noChangeArrowheads="1"/>
+            <a:picLocks noGrp="1" noChangeAspect="1" noChangeArrowheads="1"/>
           </p:cNvPicPr>
-          <p:nvPr/>
+          <p:nvPr>
+            <p:ph sz="half" idx="2"/>
+          </p:nvPr>
         </p:nvPicPr>
         <p:blipFill>
           <a:blip r:embed="rId2">
@@ -3952,14 +4399,15 @@
               </a:ext>
             </a:extLst>
           </a:blip>
+          <a:srcRect/>
           <a:stretch>
             <a:fillRect/>
           </a:stretch>
         </p:blipFill>
         <p:spPr bwMode="auto">
           <a:xfrm>
-            <a:off x="8267541" y="2140648"/>
-            <a:ext cx="3086259" cy="3721291"/>
+            <a:off x="6836147" y="365125"/>
+            <a:ext cx="5037405" cy="6264739"/>
           </a:xfrm>
           <a:prstGeom prst="rect">
             <a:avLst/>
@@ -3979,7 +4427,111 @@
     </p:spTree>
     <p:extLst>
       <p:ext uri="{BB962C8B-B14F-4D97-AF65-F5344CB8AC3E}">
-        <p14:creationId xmlns:p14="http://schemas.microsoft.com/office/powerpoint/2010/main" val="940326174"/>
+        <p14:creationId xmlns:p14="http://schemas.microsoft.com/office/powerpoint/2010/main" val="3763069399"/>
+      </p:ext>
+    </p:extLst>
+  </p:cSld>
+  <p:clrMapOvr>
+    <a:masterClrMapping/>
+  </p:clrMapOvr>
+</p:sld>
+</file>
+
+<file path=ppt/slides/slide6.xml><?xml version="1.0" encoding="utf-8"?>
+<p:sld xmlns:a="http://schemas.openxmlformats.org/drawingml/2006/main" xmlns:r="http://schemas.openxmlformats.org/officeDocument/2006/relationships" xmlns:p="http://schemas.openxmlformats.org/presentationml/2006/main">
+  <p:cSld>
+    <p:spTree>
+      <p:nvGrpSpPr>
+        <p:cNvPr id="1" name=""/>
+        <p:cNvGrpSpPr/>
+        <p:nvPr/>
+      </p:nvGrpSpPr>
+      <p:grpSpPr>
+        <a:xfrm>
+          <a:off x="0" y="0"/>
+          <a:ext cx="0" cy="0"/>
+          <a:chOff x="0" y="0"/>
+          <a:chExt cx="0" cy="0"/>
+        </a:xfrm>
+      </p:grpSpPr>
+      <p:sp>
+        <p:nvSpPr>
+          <p:cNvPr id="2" name="제목 1">
+            <a:extLst>
+              <a:ext uri="{FF2B5EF4-FFF2-40B4-BE49-F238E27FC236}">
+                <a16:creationId xmlns:a16="http://schemas.microsoft.com/office/drawing/2014/main" id="{085C87DA-E550-D2D1-9BBD-9392C2209A57}"/>
+              </a:ext>
+            </a:extLst>
+          </p:cNvPr>
+          <p:cNvSpPr>
+            <a:spLocks noGrp="1"/>
+          </p:cNvSpPr>
+          <p:nvPr>
+            <p:ph type="title"/>
+          </p:nvPr>
+        </p:nvSpPr>
+        <p:spPr/>
+        <p:txBody>
+          <a:bodyPr/>
+          <a:lstStyle/>
+          <a:p>
+            <a:r>
+              <a:rPr lang="ko-KR" altLang="en-US" dirty="0"/>
+              <a:t>참고문헌</a:t>
+            </a:r>
+          </a:p>
+        </p:txBody>
+      </p:sp>
+      <p:sp>
+        <p:nvSpPr>
+          <p:cNvPr id="3" name="내용 개체 틀 2">
+            <a:extLst>
+              <a:ext uri="{FF2B5EF4-FFF2-40B4-BE49-F238E27FC236}">
+                <a16:creationId xmlns:a16="http://schemas.microsoft.com/office/drawing/2014/main" id="{FC01AECF-6CDF-59EF-6C50-E65929BE1DC9}"/>
+              </a:ext>
+            </a:extLst>
+          </p:cNvPr>
+          <p:cNvSpPr>
+            <a:spLocks noGrp="1"/>
+          </p:cNvSpPr>
+          <p:nvPr>
+            <p:ph idx="1"/>
+          </p:nvPr>
+        </p:nvSpPr>
+        <p:spPr/>
+        <p:txBody>
+          <a:bodyPr/>
+          <a:lstStyle/>
+          <a:p>
+            <a:pPr marL="0" indent="0">
+              <a:buNone/>
+            </a:pPr>
+            <a:r>
+              <a:rPr lang="en-US" altLang="ko-KR" dirty="0"/>
+              <a:t>Attention Is All You Need, 2017</a:t>
+            </a:r>
+          </a:p>
+          <a:p>
+            <a:pPr marL="0" indent="0">
+              <a:buNone/>
+            </a:pPr>
+            <a:r>
+              <a:rPr lang="en-US" altLang="ko-KR" dirty="0"/>
+              <a:t>Time series prediction model using LSTM-Transformer, 2024</a:t>
+            </a:r>
+          </a:p>
+          <a:p>
+            <a:pPr marL="0" indent="0">
+              <a:buNone/>
+            </a:pPr>
+            <a:endParaRPr lang="en-US" altLang="ko-KR" dirty="0"/>
+          </a:p>
+        </p:txBody>
+      </p:sp>
+    </p:spTree>
+    <p:extLst>
+      <p:ext uri="{BB962C8B-B14F-4D97-AF65-F5344CB8AC3E}">
+        <p14:creationId xmlns:p14="http://schemas.microsoft.com/office/powerpoint/2010/main" val="789914775"/>
       </p:ext>
     </p:extLst>
   </p:cSld>
@@ -4282,4 +4834,299 @@
     </a:ext>
   </a:extLst>
 </a:theme>
+</file>
+
+<file path=ppt/theme/theme2.xml><?xml version="1.0" encoding="utf-8"?>
+<a:theme xmlns:a="http://schemas.openxmlformats.org/drawingml/2006/main" name="Office 테마">
+  <a:themeElements>
+    <a:clrScheme name="Office">
+      <a:dk1>
+        <a:sysClr val="windowText" lastClr="000000"/>
+      </a:dk1>
+      <a:lt1>
+        <a:sysClr val="window" lastClr="FFFFFF"/>
+      </a:lt1>
+      <a:dk2>
+        <a:srgbClr val="44546A"/>
+      </a:dk2>
+      <a:lt2>
+        <a:srgbClr val="E7E6E6"/>
+      </a:lt2>
+      <a:accent1>
+        <a:srgbClr val="4472C4"/>
+      </a:accent1>
+      <a:accent2>
+        <a:srgbClr val="ED7D31"/>
+      </a:accent2>
+      <a:accent3>
+        <a:srgbClr val="A5A5A5"/>
+      </a:accent3>
+      <a:accent4>
+        <a:srgbClr val="FFC000"/>
+      </a:accent4>
+      <a:accent5>
+        <a:srgbClr val="5B9BD5"/>
+      </a:accent5>
+      <a:accent6>
+        <a:srgbClr val="70AD47"/>
+      </a:accent6>
+      <a:hlink>
+        <a:srgbClr val="0563C1"/>
+      </a:hlink>
+      <a:folHlink>
+        <a:srgbClr val="954F72"/>
+      </a:folHlink>
+    </a:clrScheme>
+    <a:fontScheme name="Office">
+      <a:majorFont>
+        <a:latin typeface="맑은 고딕" panose="020F0302020204030204"/>
+        <a:ea typeface=""/>
+        <a:cs typeface=""/>
+        <a:font script="Jpan" typeface="游ゴシック Light"/>
+        <a:font script="Hang" typeface="맑은 고딕"/>
+        <a:font script="Hans" typeface="等线 Light"/>
+        <a:font script="Hant" typeface="新細明體"/>
+        <a:font script="Arab" typeface="Times New Roman"/>
+        <a:font script="Hebr" typeface="Times New Roman"/>
+        <a:font script="Thai" typeface="Angsana New"/>
+        <a:font script="Ethi" typeface="Nyala"/>
+        <a:font script="Beng" typeface="Vrinda"/>
+        <a:font script="Gujr" typeface="Shruti"/>
+        <a:font script="Khmr" typeface="MoolBoran"/>
+        <a:font script="Knda" typeface="Tunga"/>
+        <a:font script="Guru" typeface="Raavi"/>
+        <a:font script="Cans" typeface="Euphemia"/>
+        <a:font script="Cher" typeface="Plantagenet Cherokee"/>
+        <a:font script="Yiii" typeface="Microsoft Yi Baiti"/>
+        <a:font script="Tibt" typeface="Microsoft Himalaya"/>
+        <a:font script="Thaa" typeface="MV Boli"/>
+        <a:font script="Deva" typeface="Mangal"/>
+        <a:font script="Telu" typeface="Gautami"/>
+        <a:font script="Taml" typeface="Latha"/>
+        <a:font script="Syrc" typeface="Estrangelo Edessa"/>
+        <a:font script="Orya" typeface="Kalinga"/>
+        <a:font script="Mlym" typeface="Kartika"/>
+        <a:font script="Laoo" typeface="DokChampa"/>
+        <a:font script="Sinh" typeface="Iskoola Pota"/>
+        <a:font script="Mong" typeface="Mongolian Baiti"/>
+        <a:font script="Viet" typeface="Times New Roman"/>
+        <a:font script="Uigh" typeface="Microsoft Uighur"/>
+        <a:font script="Geor" typeface="Sylfaen"/>
+        <a:font script="Armn" typeface="Arial"/>
+        <a:font script="Bugi" typeface="Leelawadee UI"/>
+        <a:font script="Bopo" typeface="Microsoft JhengHei"/>
+        <a:font script="Java" typeface="Javanese Text"/>
+        <a:font script="Lisu" typeface="Segoe UI"/>
+        <a:font script="Mymr" typeface="Myanmar Text"/>
+        <a:font script="Nkoo" typeface="Ebrima"/>
+        <a:font script="Olck" typeface="Nirmala UI"/>
+        <a:font script="Osma" typeface="Ebrima"/>
+        <a:font script="Phag" typeface="Phagspa"/>
+        <a:font script="Syrn" typeface="Estrangelo Edessa"/>
+        <a:font script="Syrj" typeface="Estrangelo Edessa"/>
+        <a:font script="Syre" typeface="Estrangelo Edessa"/>
+        <a:font script="Sora" typeface="Nirmala UI"/>
+        <a:font script="Tale" typeface="Microsoft Tai Le"/>
+        <a:font script="Talu" typeface="Microsoft New Tai Lue"/>
+        <a:font script="Tfng" typeface="Ebrima"/>
+      </a:majorFont>
+      <a:minorFont>
+        <a:latin typeface="맑은 고딕" panose="020F0502020204030204"/>
+        <a:ea typeface=""/>
+        <a:cs typeface=""/>
+        <a:font script="Jpan" typeface="游ゴシック"/>
+        <a:font script="Hang" typeface="맑은 고딕"/>
+        <a:font script="Hans" typeface="等线"/>
+        <a:font script="Hant" typeface="新細明體"/>
+        <a:font script="Arab" typeface="Arial"/>
+        <a:font script="Hebr" typeface="Arial"/>
+        <a:font script="Thai" typeface="Cordia New"/>
+        <a:font script="Ethi" typeface="Nyala"/>
+        <a:font script="Beng" typeface="Vrinda"/>
+        <a:font script="Gujr" typeface="Shruti"/>
+        <a:font script="Khmr" typeface="DaunPenh"/>
+        <a:font script="Knda" typeface="Tunga"/>
+        <a:font script="Guru" typeface="Raavi"/>
+        <a:font script="Cans" typeface="Euphemia"/>
+        <a:font script="Cher" typeface="Plantagenet Cherokee"/>
+        <a:font script="Yiii" typeface="Microsoft Yi Baiti"/>
+        <a:font script="Tibt" typeface="Microsoft Himalaya"/>
+        <a:font script="Thaa" typeface="MV Boli"/>
+        <a:font script="Deva" typeface="Mangal"/>
+        <a:font script="Telu" typeface="Gautami"/>
+        <a:font script="Taml" typeface="Latha"/>
+        <a:font script="Syrc" typeface="Estrangelo Edessa"/>
+        <a:font script="Orya" typeface="Kalinga"/>
+        <a:font script="Mlym" typeface="Kartika"/>
+        <a:font script="Laoo" typeface="DokChampa"/>
+        <a:font script="Sinh" typeface="Iskoola Pota"/>
+        <a:font script="Mong" typeface="Mongolian Baiti"/>
+        <a:font script="Viet" typeface="Arial"/>
+        <a:font script="Uigh" typeface="Microsoft Uighur"/>
+        <a:font script="Geor" typeface="Sylfaen"/>
+        <a:font script="Armn" typeface="Arial"/>
+        <a:font script="Bugi" typeface="Leelawadee UI"/>
+        <a:font script="Bopo" typeface="Microsoft JhengHei"/>
+        <a:font script="Java" typeface="Javanese Text"/>
+        <a:font script="Lisu" typeface="Segoe UI"/>
+        <a:font script="Mymr" typeface="Myanmar Text"/>
+        <a:font script="Nkoo" typeface="Ebrima"/>
+        <a:font script="Olck" typeface="Nirmala UI"/>
+        <a:font script="Osma" typeface="Ebrima"/>
+        <a:font script="Phag" typeface="Phagspa"/>
+        <a:font script="Syrn" typeface="Estrangelo Edessa"/>
+        <a:font script="Syrj" typeface="Estrangelo Edessa"/>
+        <a:font script="Syre" typeface="Estrangelo Edessa"/>
+        <a:font script="Sora" typeface="Nirmala UI"/>
+        <a:font script="Tale" typeface="Microsoft Tai Le"/>
+        <a:font script="Talu" typeface="Microsoft New Tai Lue"/>
+        <a:font script="Tfng" typeface="Ebrima"/>
+      </a:minorFont>
+    </a:fontScheme>
+    <a:fmtScheme name="Office">
+      <a:fillStyleLst>
+        <a:solidFill>
+          <a:schemeClr val="phClr"/>
+        </a:solidFill>
+        <a:gradFill rotWithShape="1">
+          <a:gsLst>
+            <a:gs pos="0">
+              <a:schemeClr val="phClr">
+                <a:lumMod val="110000"/>
+                <a:satMod val="105000"/>
+                <a:tint val="67000"/>
+              </a:schemeClr>
+            </a:gs>
+            <a:gs pos="50000">
+              <a:schemeClr val="phClr">
+                <a:lumMod val="105000"/>
+                <a:satMod val="103000"/>
+                <a:tint val="73000"/>
+              </a:schemeClr>
+            </a:gs>
+            <a:gs pos="100000">
+              <a:schemeClr val="phClr">
+                <a:lumMod val="105000"/>
+                <a:satMod val="109000"/>
+                <a:tint val="81000"/>
+              </a:schemeClr>
+            </a:gs>
+          </a:gsLst>
+          <a:lin ang="5400000" scaled="0"/>
+        </a:gradFill>
+        <a:gradFill rotWithShape="1">
+          <a:gsLst>
+            <a:gs pos="0">
+              <a:schemeClr val="phClr">
+                <a:satMod val="103000"/>
+                <a:lumMod val="102000"/>
+                <a:tint val="94000"/>
+              </a:schemeClr>
+            </a:gs>
+            <a:gs pos="50000">
+              <a:schemeClr val="phClr">
+                <a:satMod val="110000"/>
+                <a:lumMod val="100000"/>
+                <a:shade val="100000"/>
+              </a:schemeClr>
+            </a:gs>
+            <a:gs pos="100000">
+              <a:schemeClr val="phClr">
+                <a:lumMod val="99000"/>
+                <a:satMod val="120000"/>
+                <a:shade val="78000"/>
+              </a:schemeClr>
+            </a:gs>
+          </a:gsLst>
+          <a:lin ang="5400000" scaled="0"/>
+        </a:gradFill>
+      </a:fillStyleLst>
+      <a:lnStyleLst>
+        <a:ln w="6350" cap="flat" cmpd="sng" algn="ctr">
+          <a:solidFill>
+            <a:schemeClr val="phClr"/>
+          </a:solidFill>
+          <a:prstDash val="solid"/>
+          <a:miter lim="800000"/>
+        </a:ln>
+        <a:ln w="12700" cap="flat" cmpd="sng" algn="ctr">
+          <a:solidFill>
+            <a:schemeClr val="phClr"/>
+          </a:solidFill>
+          <a:prstDash val="solid"/>
+          <a:miter lim="800000"/>
+        </a:ln>
+        <a:ln w="19050" cap="flat" cmpd="sng" algn="ctr">
+          <a:solidFill>
+            <a:schemeClr val="phClr"/>
+          </a:solidFill>
+          <a:prstDash val="solid"/>
+          <a:miter lim="800000"/>
+        </a:ln>
+      </a:lnStyleLst>
+      <a:effectStyleLst>
+        <a:effectStyle>
+          <a:effectLst/>
+        </a:effectStyle>
+        <a:effectStyle>
+          <a:effectLst/>
+        </a:effectStyle>
+        <a:effectStyle>
+          <a:effectLst>
+            <a:outerShdw blurRad="57150" dist="19050" dir="5400000" algn="ctr" rotWithShape="0">
+              <a:srgbClr val="000000">
+                <a:alpha val="63000"/>
+              </a:srgbClr>
+            </a:outerShdw>
+          </a:effectLst>
+        </a:effectStyle>
+      </a:effectStyleLst>
+      <a:bgFillStyleLst>
+        <a:solidFill>
+          <a:schemeClr val="phClr"/>
+        </a:solidFill>
+        <a:solidFill>
+          <a:schemeClr val="phClr">
+            <a:tint val="95000"/>
+            <a:satMod val="170000"/>
+          </a:schemeClr>
+        </a:solidFill>
+        <a:gradFill rotWithShape="1">
+          <a:gsLst>
+            <a:gs pos="0">
+              <a:schemeClr val="phClr">
+                <a:tint val="93000"/>
+                <a:satMod val="150000"/>
+                <a:shade val="98000"/>
+                <a:lumMod val="102000"/>
+              </a:schemeClr>
+            </a:gs>
+            <a:gs pos="50000">
+              <a:schemeClr val="phClr">
+                <a:tint val="98000"/>
+                <a:satMod val="130000"/>
+                <a:shade val="90000"/>
+                <a:lumMod val="103000"/>
+              </a:schemeClr>
+            </a:gs>
+            <a:gs pos="100000">
+              <a:schemeClr val="phClr">
+                <a:shade val="63000"/>
+                <a:satMod val="120000"/>
+              </a:schemeClr>
+            </a:gs>
+          </a:gsLst>
+          <a:lin ang="5400000" scaled="0"/>
+        </a:gradFill>
+      </a:bgFillStyleLst>
+    </a:fmtScheme>
+  </a:themeElements>
+  <a:objectDefaults/>
+  <a:extraClrSchemeLst/>
+  <a:extLst>
+    <a:ext uri="{05A4C25C-085E-4340-85A3-A5531E510DB2}">
+      <thm15:themeFamily xmlns:thm15="http://schemas.microsoft.com/office/thememl/2012/main" name="Office Theme" id="{62F939B6-93AF-4DB8-9C6B-D6C7DFDC589F}" vid="{4A3C46E8-61CC-4603-A589-7422A47A8E4A}"/>
+    </a:ext>
+  </a:extLst>
+</a:theme>
 </file>
--- a/LSTM_Transformer_Parallel.pptx
+++ b/LSTM_Transformer_Parallel.pptx
@@ -5,15 +5,18 @@
     <p:sldMasterId id="2147483648" r:id="rId1"/>
   </p:sldMasterIdLst>
   <p:notesMasterIdLst>
-    <p:notesMasterId r:id="rId8"/>
+    <p:notesMasterId r:id="rId11"/>
   </p:notesMasterIdLst>
   <p:sldIdLst>
     <p:sldId id="256" r:id="rId2"/>
-    <p:sldId id="257" r:id="rId3"/>
+    <p:sldId id="262" r:id="rId3"/>
     <p:sldId id="258" r:id="rId4"/>
     <p:sldId id="259" r:id="rId5"/>
-    <p:sldId id="261" r:id="rId6"/>
-    <p:sldId id="260" r:id="rId7"/>
+    <p:sldId id="257" r:id="rId6"/>
+    <p:sldId id="261" r:id="rId7"/>
+    <p:sldId id="263" r:id="rId8"/>
+    <p:sldId id="264" r:id="rId9"/>
+    <p:sldId id="260" r:id="rId10"/>
   </p:sldIdLst>
   <p:sldSz cx="12192000" cy="6858000"/>
   <p:notesSz cx="6858000" cy="9144000"/>
@@ -202,7 +205,7 @@
           <a:p>
             <a:fld id="{6D0F13C0-8CBA-4EC6-A716-489B6827C886}" type="datetimeFigureOut">
               <a:rPr lang="ko-KR" altLang="en-US" smtClean="0"/>
-              <a:t>2025-04-09</a:t>
+              <a:t>2025-04-10</a:t>
             </a:fld>
             <a:endParaRPr lang="ko-KR" altLang="en-US"/>
           </a:p>
@@ -700,7 +703,7 @@
           <a:p>
             <a:fld id="{D4210B8B-8672-4B0B-A4D1-AFFD493BCEC2}" type="datetimeFigureOut">
               <a:rPr lang="ko-KR" altLang="en-US" smtClean="0"/>
-              <a:t>2025-04-09</a:t>
+              <a:t>2025-04-10</a:t>
             </a:fld>
             <a:endParaRPr lang="ko-KR" altLang="en-US"/>
           </a:p>
@@ -898,7 +901,7 @@
           <a:p>
             <a:fld id="{D4210B8B-8672-4B0B-A4D1-AFFD493BCEC2}" type="datetimeFigureOut">
               <a:rPr lang="ko-KR" altLang="en-US" smtClean="0"/>
-              <a:t>2025-04-09</a:t>
+              <a:t>2025-04-10</a:t>
             </a:fld>
             <a:endParaRPr lang="ko-KR" altLang="en-US"/>
           </a:p>
@@ -1106,7 +1109,7 @@
           <a:p>
             <a:fld id="{D4210B8B-8672-4B0B-A4D1-AFFD493BCEC2}" type="datetimeFigureOut">
               <a:rPr lang="ko-KR" altLang="en-US" smtClean="0"/>
-              <a:t>2025-04-09</a:t>
+              <a:t>2025-04-10</a:t>
             </a:fld>
             <a:endParaRPr lang="ko-KR" altLang="en-US"/>
           </a:p>
@@ -1304,7 +1307,7 @@
           <a:p>
             <a:fld id="{D4210B8B-8672-4B0B-A4D1-AFFD493BCEC2}" type="datetimeFigureOut">
               <a:rPr lang="ko-KR" altLang="en-US" smtClean="0"/>
-              <a:t>2025-04-09</a:t>
+              <a:t>2025-04-10</a:t>
             </a:fld>
             <a:endParaRPr lang="ko-KR" altLang="en-US"/>
           </a:p>
@@ -1579,7 +1582,7 @@
           <a:p>
             <a:fld id="{D4210B8B-8672-4B0B-A4D1-AFFD493BCEC2}" type="datetimeFigureOut">
               <a:rPr lang="ko-KR" altLang="en-US" smtClean="0"/>
-              <a:t>2025-04-09</a:t>
+              <a:t>2025-04-10</a:t>
             </a:fld>
             <a:endParaRPr lang="ko-KR" altLang="en-US"/>
           </a:p>
@@ -1844,7 +1847,7 @@
           <a:p>
             <a:fld id="{D4210B8B-8672-4B0B-A4D1-AFFD493BCEC2}" type="datetimeFigureOut">
               <a:rPr lang="ko-KR" altLang="en-US" smtClean="0"/>
-              <a:t>2025-04-09</a:t>
+              <a:t>2025-04-10</a:t>
             </a:fld>
             <a:endParaRPr lang="ko-KR" altLang="en-US"/>
           </a:p>
@@ -2256,7 +2259,7 @@
           <a:p>
             <a:fld id="{D4210B8B-8672-4B0B-A4D1-AFFD493BCEC2}" type="datetimeFigureOut">
               <a:rPr lang="ko-KR" altLang="en-US" smtClean="0"/>
-              <a:t>2025-04-09</a:t>
+              <a:t>2025-04-10</a:t>
             </a:fld>
             <a:endParaRPr lang="ko-KR" altLang="en-US"/>
           </a:p>
@@ -2397,7 +2400,7 @@
           <a:p>
             <a:fld id="{D4210B8B-8672-4B0B-A4D1-AFFD493BCEC2}" type="datetimeFigureOut">
               <a:rPr lang="ko-KR" altLang="en-US" smtClean="0"/>
-              <a:t>2025-04-09</a:t>
+              <a:t>2025-04-10</a:t>
             </a:fld>
             <a:endParaRPr lang="ko-KR" altLang="en-US"/>
           </a:p>
@@ -2510,7 +2513,7 @@
           <a:p>
             <a:fld id="{D4210B8B-8672-4B0B-A4D1-AFFD493BCEC2}" type="datetimeFigureOut">
               <a:rPr lang="ko-KR" altLang="en-US" smtClean="0"/>
-              <a:t>2025-04-09</a:t>
+              <a:t>2025-04-10</a:t>
             </a:fld>
             <a:endParaRPr lang="ko-KR" altLang="en-US"/>
           </a:p>
@@ -2821,7 +2824,7 @@
           <a:p>
             <a:fld id="{D4210B8B-8672-4B0B-A4D1-AFFD493BCEC2}" type="datetimeFigureOut">
               <a:rPr lang="ko-KR" altLang="en-US" smtClean="0"/>
-              <a:t>2025-04-09</a:t>
+              <a:t>2025-04-10</a:t>
             </a:fld>
             <a:endParaRPr lang="ko-KR" altLang="en-US"/>
           </a:p>
@@ -3109,7 +3112,7 @@
           <a:p>
             <a:fld id="{D4210B8B-8672-4B0B-A4D1-AFFD493BCEC2}" type="datetimeFigureOut">
               <a:rPr lang="ko-KR" altLang="en-US" smtClean="0"/>
-              <a:t>2025-04-09</a:t>
+              <a:t>2025-04-10</a:t>
             </a:fld>
             <a:endParaRPr lang="ko-KR" altLang="en-US"/>
           </a:p>
@@ -3350,7 +3353,7 @@
           <a:p>
             <a:fld id="{D4210B8B-8672-4B0B-A4D1-AFFD493BCEC2}" type="datetimeFigureOut">
               <a:rPr lang="ko-KR" altLang="en-US" smtClean="0"/>
-              <a:t>2025-04-09</a:t>
+              <a:t>2025-04-10</a:t>
             </a:fld>
             <a:endParaRPr lang="ko-KR" altLang="en-US"/>
           </a:p>
@@ -3856,7 +3859,13 @@
   <p:cSld>
     <p:spTree>
       <p:nvGrpSpPr>
-        <p:cNvPr id="1" name=""/>
+        <p:cNvPr id="1" name="">
+          <a:extLst>
+            <a:ext uri="{FF2B5EF4-FFF2-40B4-BE49-F238E27FC236}">
+              <a16:creationId xmlns:a16="http://schemas.microsoft.com/office/drawing/2014/main" id="{213FB983-F67F-8DAF-574B-8D70134DC85E}"/>
+            </a:ext>
+          </a:extLst>
+        </p:cNvPr>
         <p:cNvGrpSpPr/>
         <p:nvPr/>
       </p:nvGrpSpPr>
@@ -3873,7 +3882,7 @@
           <p:cNvPr id="4" name="제목 3">
             <a:extLst>
               <a:ext uri="{FF2B5EF4-FFF2-40B4-BE49-F238E27FC236}">
-                <a16:creationId xmlns:a16="http://schemas.microsoft.com/office/drawing/2014/main" id="{DD3F009B-4C11-9722-7AFF-4B7A52410C6F}"/>
+                <a16:creationId xmlns:a16="http://schemas.microsoft.com/office/drawing/2014/main" id="{D231263B-0F56-61EC-E723-B4A2B6AF9F89}"/>
               </a:ext>
             </a:extLst>
           </p:cNvPr>
@@ -3897,7 +3906,7 @@
             <a:pPr algn="ctr"/>
             <a:r>
               <a:rPr lang="en-US" altLang="ko-KR" dirty="0"/>
-              <a:t>LSTM-Transformer</a:t>
+              <a:t>Transformer</a:t>
             </a:r>
             <a:endParaRPr lang="ko-KR" altLang="en-US" dirty="0"/>
           </a:p>
@@ -3906,7 +3915,7 @@
     </p:spTree>
     <p:extLst>
       <p:ext uri="{BB962C8B-B14F-4D97-AF65-F5344CB8AC3E}">
-        <p14:creationId xmlns:p14="http://schemas.microsoft.com/office/powerpoint/2010/main" val="2133841931"/>
+        <p14:creationId xmlns:p14="http://schemas.microsoft.com/office/powerpoint/2010/main" val="152783214"/>
       </p:ext>
     </p:extLst>
   </p:cSld>
@@ -4307,10 +4316,10 @@
       </p:grpSpPr>
       <p:sp>
         <p:nvSpPr>
-          <p:cNvPr id="2" name="제목 1">
-            <a:extLst>
-              <a:ext uri="{FF2B5EF4-FFF2-40B4-BE49-F238E27FC236}">
-                <a16:creationId xmlns:a16="http://schemas.microsoft.com/office/drawing/2014/main" id="{42655DEE-798E-7975-F775-62EA1EE2DD0C}"/>
+          <p:cNvPr id="4" name="제목 3">
+            <a:extLst>
+              <a:ext uri="{FF2B5EF4-FFF2-40B4-BE49-F238E27FC236}">
+                <a16:creationId xmlns:a16="http://schemas.microsoft.com/office/drawing/2014/main" id="{DD3F009B-4C11-9722-7AFF-4B7A52410C6F}"/>
               </a:ext>
             </a:extLst>
           </p:cNvPr>
@@ -4321,11 +4330,17 @@
             <p:ph type="title"/>
           </p:nvPr>
         </p:nvSpPr>
-        <p:spPr/>
-        <p:txBody>
-          <a:bodyPr/>
-          <a:lstStyle/>
-          <a:p>
+        <p:spPr>
+          <a:xfrm>
+            <a:off x="838200" y="2766218"/>
+            <a:ext cx="10515600" cy="1325563"/>
+          </a:xfrm>
+        </p:spPr>
+        <p:txBody>
+          <a:bodyPr/>
+          <a:lstStyle/>
+          <a:p>
+            <a:pPr algn="ctr"/>
             <a:r>
               <a:rPr lang="en-US" altLang="ko-KR" dirty="0"/>
               <a:t>LSTM-Transformer</a:t>
@@ -4334,6 +4349,65 @@
           </a:p>
         </p:txBody>
       </p:sp>
+    </p:spTree>
+    <p:extLst>
+      <p:ext uri="{BB962C8B-B14F-4D97-AF65-F5344CB8AC3E}">
+        <p14:creationId xmlns:p14="http://schemas.microsoft.com/office/powerpoint/2010/main" val="2133841931"/>
+      </p:ext>
+    </p:extLst>
+  </p:cSld>
+  <p:clrMapOvr>
+    <a:masterClrMapping/>
+  </p:clrMapOvr>
+</p:sld>
+</file>
+
+<file path=ppt/slides/slide6.xml><?xml version="1.0" encoding="utf-8"?>
+<p:sld xmlns:a="http://schemas.openxmlformats.org/drawingml/2006/main" xmlns:r="http://schemas.openxmlformats.org/officeDocument/2006/relationships" xmlns:p="http://schemas.openxmlformats.org/presentationml/2006/main">
+  <p:cSld>
+    <p:spTree>
+      <p:nvGrpSpPr>
+        <p:cNvPr id="1" name=""/>
+        <p:cNvGrpSpPr/>
+        <p:nvPr/>
+      </p:nvGrpSpPr>
+      <p:grpSpPr>
+        <a:xfrm>
+          <a:off x="0" y="0"/>
+          <a:ext cx="0" cy="0"/>
+          <a:chOff x="0" y="0"/>
+          <a:chExt cx="0" cy="0"/>
+        </a:xfrm>
+      </p:grpSpPr>
+      <p:sp>
+        <p:nvSpPr>
+          <p:cNvPr id="2" name="제목 1">
+            <a:extLst>
+              <a:ext uri="{FF2B5EF4-FFF2-40B4-BE49-F238E27FC236}">
+                <a16:creationId xmlns:a16="http://schemas.microsoft.com/office/drawing/2014/main" id="{42655DEE-798E-7975-F775-62EA1EE2DD0C}"/>
+              </a:ext>
+            </a:extLst>
+          </p:cNvPr>
+          <p:cNvSpPr>
+            <a:spLocks noGrp="1"/>
+          </p:cNvSpPr>
+          <p:nvPr>
+            <p:ph type="title"/>
+          </p:nvPr>
+        </p:nvSpPr>
+        <p:spPr/>
+        <p:txBody>
+          <a:bodyPr/>
+          <a:lstStyle/>
+          <a:p>
+            <a:r>
+              <a:rPr lang="en-US" altLang="ko-KR" dirty="0"/>
+              <a:t>LSTM-Transformer</a:t>
+            </a:r>
+            <a:endParaRPr lang="ko-KR" altLang="en-US" dirty="0"/>
+          </a:p>
+        </p:txBody>
+      </p:sp>
       <p:sp>
         <p:nvSpPr>
           <p:cNvPr id="3" name="내용 개체 틀 2">
@@ -4361,17 +4435,68 @@
             </a:r>
           </a:p>
           <a:p>
-            <a:r>
-              <a:rPr lang="en-US" altLang="ko-KR" dirty="0"/>
-              <a:t>Transformer layer</a:t>
-            </a:r>
-          </a:p>
-          <a:p>
-            <a:r>
-              <a:rPr lang="en-US" altLang="ko-KR" dirty="0"/>
-              <a:t>Output layer</a:t>
-            </a:r>
-            <a:endParaRPr lang="ko-KR" altLang="en-US" dirty="0"/>
+            <a:pPr marL="0" indent="0">
+              <a:buNone/>
+            </a:pPr>
+            <a:endParaRPr lang="en-US" altLang="ko-KR" sz="2000" dirty="0"/>
+          </a:p>
+          <a:p>
+            <a:pPr marL="0" indent="0">
+              <a:buNone/>
+            </a:pPr>
+            <a:r>
+              <a:rPr lang="ko-KR" altLang="en-US" sz="2000" dirty="0"/>
+              <a:t>시계열 데이터의 시간 흐름</a:t>
+            </a:r>
+            <a:r>
+              <a:rPr lang="en-US" altLang="ko-KR" sz="2000" dirty="0"/>
+              <a:t> </a:t>
+            </a:r>
+            <a:r>
+              <a:rPr lang="ko-KR" altLang="en-US" sz="2000" dirty="0"/>
+              <a:t>학습</a:t>
+            </a:r>
+            <a:endParaRPr lang="en-US" altLang="ko-KR" sz="1600" dirty="0"/>
+          </a:p>
+          <a:p>
+            <a:pPr marL="0" indent="0">
+              <a:buNone/>
+            </a:pPr>
+            <a:endParaRPr lang="en-US" altLang="ko-KR" sz="1600" dirty="0"/>
+          </a:p>
+          <a:p>
+            <a:pPr marL="0" indent="0">
+              <a:buNone/>
+            </a:pPr>
+            <a:r>
+              <a:rPr lang="en-US" altLang="ko-KR" sz="2000" dirty="0"/>
+              <a:t>Input gate, Forget gate, Output gate</a:t>
+            </a:r>
+            <a:r>
+              <a:rPr lang="ko-KR" altLang="en-US" sz="2000" dirty="0"/>
+              <a:t> 통해 정보의 흐름 제어</a:t>
+            </a:r>
+            <a:endParaRPr lang="en-US" altLang="ko-KR" sz="2000" dirty="0"/>
+          </a:p>
+          <a:p>
+            <a:pPr marL="0" indent="0">
+              <a:buNone/>
+            </a:pPr>
+            <a:endParaRPr lang="en-US" altLang="ko-KR" sz="2000" dirty="0"/>
+          </a:p>
+          <a:p>
+            <a:pPr marL="0" indent="0">
+              <a:buNone/>
+            </a:pPr>
+            <a:r>
+              <a:rPr lang="en-US" altLang="ko-KR" sz="2000" dirty="0"/>
+              <a:t>Memory Cell</a:t>
+            </a:r>
+            <a:r>
+              <a:rPr lang="ko-KR" altLang="en-US" sz="2000" dirty="0"/>
+              <a:t>에 중요한 과거 정보 저장</a:t>
+            </a:r>
+            <a:endParaRPr lang="en-US" altLang="ko-KR" sz="2000" dirty="0"/>
           </a:p>
         </p:txBody>
       </p:sp>
@@ -4424,6 +4549,58 @@
           </a:extLst>
         </p:spPr>
       </p:pic>
+      <p:sp>
+        <p:nvSpPr>
+          <p:cNvPr id="4" name="타원 3">
+            <a:extLst>
+              <a:ext uri="{FF2B5EF4-FFF2-40B4-BE49-F238E27FC236}">
+                <a16:creationId xmlns:a16="http://schemas.microsoft.com/office/drawing/2014/main" id="{16603C13-3461-C0B5-0B9E-551846B96BA2}"/>
+              </a:ext>
+            </a:extLst>
+          </p:cNvPr>
+          <p:cNvSpPr/>
+          <p:nvPr/>
+        </p:nvSpPr>
+        <p:spPr>
+          <a:xfrm>
+            <a:off x="6400799" y="4359349"/>
+            <a:ext cx="5656521" cy="2270515"/>
+          </a:xfrm>
+          <a:prstGeom prst="ellipse">
+            <a:avLst/>
+          </a:prstGeom>
+          <a:noFill/>
+          <a:ln>
+            <a:solidFill>
+              <a:srgbClr val="FF0000"/>
+            </a:solidFill>
+          </a:ln>
+        </p:spPr>
+        <p:style>
+          <a:lnRef idx="2">
+            <a:schemeClr val="accent1">
+              <a:shade val="15000"/>
+            </a:schemeClr>
+          </a:lnRef>
+          <a:fillRef idx="1">
+            <a:schemeClr val="accent1"/>
+          </a:fillRef>
+          <a:effectRef idx="0">
+            <a:schemeClr val="accent1"/>
+          </a:effectRef>
+          <a:fontRef idx="minor">
+            <a:schemeClr val="lt1"/>
+          </a:fontRef>
+        </p:style>
+        <p:txBody>
+          <a:bodyPr rtlCol="0" anchor="ctr"/>
+          <a:lstStyle/>
+          <a:p>
+            <a:pPr algn="ctr"/>
+            <a:endParaRPr lang="ko-KR" altLang="en-US"/>
+          </a:p>
+        </p:txBody>
+      </p:sp>
     </p:spTree>
     <p:extLst>
       <p:ext uri="{BB962C8B-B14F-4D97-AF65-F5344CB8AC3E}">
@@ -4437,7 +4614,499 @@
 </p:sld>
 </file>
 
-<file path=ppt/slides/slide6.xml><?xml version="1.0" encoding="utf-8"?>
+<file path=ppt/slides/slide7.xml><?xml version="1.0" encoding="utf-8"?>
+<p:sld xmlns:a="http://schemas.openxmlformats.org/drawingml/2006/main" xmlns:r="http://schemas.openxmlformats.org/officeDocument/2006/relationships" xmlns:p="http://schemas.openxmlformats.org/presentationml/2006/main">
+  <p:cSld>
+    <p:spTree>
+      <p:nvGrpSpPr>
+        <p:cNvPr id="1" name="">
+          <a:extLst>
+            <a:ext uri="{FF2B5EF4-FFF2-40B4-BE49-F238E27FC236}">
+              <a16:creationId xmlns:a16="http://schemas.microsoft.com/office/drawing/2014/main" id="{22D20D64-0F07-8642-B063-431E370C8183}"/>
+            </a:ext>
+          </a:extLst>
+        </p:cNvPr>
+        <p:cNvGrpSpPr/>
+        <p:nvPr/>
+      </p:nvGrpSpPr>
+      <p:grpSpPr>
+        <a:xfrm>
+          <a:off x="0" y="0"/>
+          <a:ext cx="0" cy="0"/>
+          <a:chOff x="0" y="0"/>
+          <a:chExt cx="0" cy="0"/>
+        </a:xfrm>
+      </p:grpSpPr>
+      <p:sp>
+        <p:nvSpPr>
+          <p:cNvPr id="2" name="제목 1">
+            <a:extLst>
+              <a:ext uri="{FF2B5EF4-FFF2-40B4-BE49-F238E27FC236}">
+                <a16:creationId xmlns:a16="http://schemas.microsoft.com/office/drawing/2014/main" id="{A89303E7-B759-B97F-D396-619B84B55FA3}"/>
+              </a:ext>
+            </a:extLst>
+          </p:cNvPr>
+          <p:cNvSpPr>
+            <a:spLocks noGrp="1"/>
+          </p:cNvSpPr>
+          <p:nvPr>
+            <p:ph type="title"/>
+          </p:nvPr>
+        </p:nvSpPr>
+        <p:spPr/>
+        <p:txBody>
+          <a:bodyPr/>
+          <a:lstStyle/>
+          <a:p>
+            <a:r>
+              <a:rPr lang="en-US" altLang="ko-KR" dirty="0"/>
+              <a:t>LSTM-Transformer</a:t>
+            </a:r>
+            <a:endParaRPr lang="ko-KR" altLang="en-US" dirty="0"/>
+          </a:p>
+        </p:txBody>
+      </p:sp>
+      <p:sp>
+        <p:nvSpPr>
+          <p:cNvPr id="3" name="내용 개체 틀 2">
+            <a:extLst>
+              <a:ext uri="{FF2B5EF4-FFF2-40B4-BE49-F238E27FC236}">
+                <a16:creationId xmlns:a16="http://schemas.microsoft.com/office/drawing/2014/main" id="{8D953FE9-8A60-6599-CB5B-40DCA77AD769}"/>
+              </a:ext>
+            </a:extLst>
+          </p:cNvPr>
+          <p:cNvSpPr>
+            <a:spLocks noGrp="1"/>
+          </p:cNvSpPr>
+          <p:nvPr>
+            <p:ph sz="half" idx="1"/>
+          </p:nvPr>
+        </p:nvSpPr>
+        <p:spPr/>
+        <p:txBody>
+          <a:bodyPr/>
+          <a:lstStyle/>
+          <a:p>
+            <a:r>
+              <a:rPr lang="en-US" altLang="ko-KR" dirty="0"/>
+              <a:t>Transformer layer</a:t>
+            </a:r>
+          </a:p>
+          <a:p>
+            <a:endParaRPr lang="en-US" altLang="ko-KR" dirty="0"/>
+          </a:p>
+          <a:p>
+            <a:pPr marL="0" indent="0">
+              <a:buNone/>
+            </a:pPr>
+            <a:r>
+              <a:rPr lang="en-US" altLang="ko-KR" sz="2000" dirty="0"/>
+              <a:t>LSTM</a:t>
+            </a:r>
+            <a:r>
+              <a:rPr lang="ko-KR" altLang="en-US" sz="2000" dirty="0"/>
+              <a:t>이 출력한 정보를 입력으로 받음</a:t>
+            </a:r>
+            <a:r>
+              <a:rPr lang="en-US" altLang="ko-KR" sz="2000" dirty="0"/>
+              <a:t>.</a:t>
+            </a:r>
+          </a:p>
+          <a:p>
+            <a:pPr marL="0" indent="0">
+              <a:buNone/>
+            </a:pPr>
+            <a:endParaRPr lang="en-US" altLang="ko-KR" sz="2000" dirty="0"/>
+          </a:p>
+          <a:p>
+            <a:pPr marL="0" indent="0">
+              <a:buNone/>
+            </a:pPr>
+            <a:r>
+              <a:rPr lang="ko-KR" altLang="en-US" sz="2000" dirty="0"/>
+              <a:t>시계열 구조 </a:t>
+            </a:r>
+            <a:r>
+              <a:rPr lang="en-US" altLang="ko-KR" sz="2000" dirty="0"/>
+              <a:t>(</a:t>
+            </a:r>
+            <a:r>
+              <a:rPr lang="ko-KR" altLang="en-US" sz="2000" dirty="0"/>
+              <a:t>시점 간 상관관계</a:t>
+            </a:r>
+            <a:r>
+              <a:rPr lang="en-US" altLang="ko-KR" sz="2000" dirty="0"/>
+              <a:t>)</a:t>
+            </a:r>
+            <a:r>
+              <a:rPr lang="ko-KR" altLang="en-US" sz="2000" dirty="0"/>
+              <a:t> 파악</a:t>
+            </a:r>
+            <a:endParaRPr lang="en-US" altLang="ko-KR" sz="2000" dirty="0"/>
+          </a:p>
+          <a:p>
+            <a:pPr marL="0" indent="0">
+              <a:buNone/>
+            </a:pPr>
+            <a:endParaRPr lang="en-US" altLang="ko-KR" sz="2000" dirty="0"/>
+          </a:p>
+          <a:p>
+            <a:pPr marL="0" indent="0">
+              <a:buNone/>
+            </a:pPr>
+            <a:r>
+              <a:rPr lang="ko-KR" altLang="en-US" sz="2000" dirty="0"/>
+              <a:t>이 단계를 통해서 모델의 성능을 향상</a:t>
+            </a:r>
+            <a:r>
+              <a:rPr lang="en-US" altLang="ko-KR" sz="2000" dirty="0"/>
+              <a:t>.</a:t>
+            </a:r>
+            <a:endParaRPr lang="en-US" altLang="ko-KR" dirty="0"/>
+          </a:p>
+        </p:txBody>
+      </p:sp>
+      <p:pic>
+        <p:nvPicPr>
+          <p:cNvPr id="7" name="Picture 2" descr="Figure 3">
+            <a:extLst>
+              <a:ext uri="{FF2B5EF4-FFF2-40B4-BE49-F238E27FC236}">
+                <a16:creationId xmlns:a16="http://schemas.microsoft.com/office/drawing/2014/main" id="{C3539311-06F1-FFD9-F758-54B17193ACC3}"/>
+              </a:ext>
+            </a:extLst>
+          </p:cNvPr>
+          <p:cNvPicPr>
+            <a:picLocks noGrp="1" noChangeAspect="1" noChangeArrowheads="1"/>
+          </p:cNvPicPr>
+          <p:nvPr>
+            <p:ph sz="half" idx="2"/>
+          </p:nvPr>
+        </p:nvPicPr>
+        <p:blipFill>
+          <a:blip r:embed="rId2">
+            <a:extLst>
+              <a:ext uri="{28A0092B-C50C-407E-A947-70E740481C1C}">
+                <a14:useLocalDpi xmlns:a14="http://schemas.microsoft.com/office/drawing/2010/main" val="0"/>
+              </a:ext>
+            </a:extLst>
+          </a:blip>
+          <a:srcRect/>
+          <a:stretch>
+            <a:fillRect/>
+          </a:stretch>
+        </p:blipFill>
+        <p:spPr bwMode="auto">
+          <a:xfrm>
+            <a:off x="6836147" y="365125"/>
+            <a:ext cx="5037405" cy="6264739"/>
+          </a:xfrm>
+          <a:prstGeom prst="rect">
+            <a:avLst/>
+          </a:prstGeom>
+          <a:noFill/>
+          <a:extLst>
+            <a:ext uri="{909E8E84-426E-40DD-AFC4-6F175D3DCCD1}">
+              <a14:hiddenFill xmlns:a14="http://schemas.microsoft.com/office/drawing/2010/main">
+                <a:solidFill>
+                  <a:srgbClr val="FFFFFF"/>
+                </a:solidFill>
+              </a14:hiddenFill>
+            </a:ext>
+          </a:extLst>
+        </p:spPr>
+      </p:pic>
+      <p:sp>
+        <p:nvSpPr>
+          <p:cNvPr id="4" name="타원 3">
+            <a:extLst>
+              <a:ext uri="{FF2B5EF4-FFF2-40B4-BE49-F238E27FC236}">
+                <a16:creationId xmlns:a16="http://schemas.microsoft.com/office/drawing/2014/main" id="{27693504-455A-C775-587E-4923309EEE55}"/>
+              </a:ext>
+            </a:extLst>
+          </p:cNvPr>
+          <p:cNvSpPr/>
+          <p:nvPr/>
+        </p:nvSpPr>
+        <p:spPr>
+          <a:xfrm>
+            <a:off x="6400799" y="1137684"/>
+            <a:ext cx="5656521" cy="3221665"/>
+          </a:xfrm>
+          <a:prstGeom prst="ellipse">
+            <a:avLst/>
+          </a:prstGeom>
+          <a:noFill/>
+          <a:ln>
+            <a:solidFill>
+              <a:srgbClr val="FF0000"/>
+            </a:solidFill>
+          </a:ln>
+        </p:spPr>
+        <p:style>
+          <a:lnRef idx="2">
+            <a:schemeClr val="accent1">
+              <a:shade val="15000"/>
+            </a:schemeClr>
+          </a:lnRef>
+          <a:fillRef idx="1">
+            <a:schemeClr val="accent1"/>
+          </a:fillRef>
+          <a:effectRef idx="0">
+            <a:schemeClr val="accent1"/>
+          </a:effectRef>
+          <a:fontRef idx="minor">
+            <a:schemeClr val="lt1"/>
+          </a:fontRef>
+        </p:style>
+        <p:txBody>
+          <a:bodyPr rtlCol="0" anchor="ctr"/>
+          <a:lstStyle/>
+          <a:p>
+            <a:pPr algn="ctr"/>
+            <a:endParaRPr lang="ko-KR" altLang="en-US"/>
+          </a:p>
+        </p:txBody>
+      </p:sp>
+    </p:spTree>
+    <p:extLst>
+      <p:ext uri="{BB962C8B-B14F-4D97-AF65-F5344CB8AC3E}">
+        <p14:creationId xmlns:p14="http://schemas.microsoft.com/office/powerpoint/2010/main" val="2598909961"/>
+      </p:ext>
+    </p:extLst>
+  </p:cSld>
+  <p:clrMapOvr>
+    <a:masterClrMapping/>
+  </p:clrMapOvr>
+</p:sld>
+</file>
+
+<file path=ppt/slides/slide8.xml><?xml version="1.0" encoding="utf-8"?>
+<p:sld xmlns:a="http://schemas.openxmlformats.org/drawingml/2006/main" xmlns:r="http://schemas.openxmlformats.org/officeDocument/2006/relationships" xmlns:p="http://schemas.openxmlformats.org/presentationml/2006/main">
+  <p:cSld>
+    <p:spTree>
+      <p:nvGrpSpPr>
+        <p:cNvPr id="1" name="">
+          <a:extLst>
+            <a:ext uri="{FF2B5EF4-FFF2-40B4-BE49-F238E27FC236}">
+              <a16:creationId xmlns:a16="http://schemas.microsoft.com/office/drawing/2014/main" id="{1E46318E-F5D0-EF52-E738-45640E0423C0}"/>
+            </a:ext>
+          </a:extLst>
+        </p:cNvPr>
+        <p:cNvGrpSpPr/>
+        <p:nvPr/>
+      </p:nvGrpSpPr>
+      <p:grpSpPr>
+        <a:xfrm>
+          <a:off x="0" y="0"/>
+          <a:ext cx="0" cy="0"/>
+          <a:chOff x="0" y="0"/>
+          <a:chExt cx="0" cy="0"/>
+        </a:xfrm>
+      </p:grpSpPr>
+      <p:sp>
+        <p:nvSpPr>
+          <p:cNvPr id="2" name="제목 1">
+            <a:extLst>
+              <a:ext uri="{FF2B5EF4-FFF2-40B4-BE49-F238E27FC236}">
+                <a16:creationId xmlns:a16="http://schemas.microsoft.com/office/drawing/2014/main" id="{DD6C127A-BBFC-5144-5F83-4320320703C6}"/>
+              </a:ext>
+            </a:extLst>
+          </p:cNvPr>
+          <p:cNvSpPr>
+            <a:spLocks noGrp="1"/>
+          </p:cNvSpPr>
+          <p:nvPr>
+            <p:ph type="title"/>
+          </p:nvPr>
+        </p:nvSpPr>
+        <p:spPr/>
+        <p:txBody>
+          <a:bodyPr/>
+          <a:lstStyle/>
+          <a:p>
+            <a:r>
+              <a:rPr lang="en-US" altLang="ko-KR" dirty="0"/>
+              <a:t>LSTM-Transformer</a:t>
+            </a:r>
+            <a:endParaRPr lang="ko-KR" altLang="en-US" dirty="0"/>
+          </a:p>
+        </p:txBody>
+      </p:sp>
+      <p:sp>
+        <p:nvSpPr>
+          <p:cNvPr id="3" name="내용 개체 틀 2">
+            <a:extLst>
+              <a:ext uri="{FF2B5EF4-FFF2-40B4-BE49-F238E27FC236}">
+                <a16:creationId xmlns:a16="http://schemas.microsoft.com/office/drawing/2014/main" id="{1A1D6F7F-B398-3A22-A8EE-192A3945A7DA}"/>
+              </a:ext>
+            </a:extLst>
+          </p:cNvPr>
+          <p:cNvSpPr>
+            <a:spLocks noGrp="1"/>
+          </p:cNvSpPr>
+          <p:nvPr>
+            <p:ph sz="half" idx="1"/>
+          </p:nvPr>
+        </p:nvSpPr>
+        <p:spPr>
+          <a:xfrm>
+            <a:off x="838199" y="1825625"/>
+            <a:ext cx="5360581" cy="4351338"/>
+          </a:xfrm>
+        </p:spPr>
+        <p:txBody>
+          <a:bodyPr>
+            <a:normAutofit/>
+          </a:bodyPr>
+          <a:lstStyle/>
+          <a:p>
+            <a:r>
+              <a:rPr lang="en-US" altLang="ko-KR" dirty="0"/>
+              <a:t>Output layer</a:t>
+            </a:r>
+          </a:p>
+          <a:p>
+            <a:endParaRPr lang="en-US" altLang="ko-KR" dirty="0"/>
+          </a:p>
+          <a:p>
+            <a:pPr marL="0" indent="0">
+              <a:buNone/>
+            </a:pPr>
+            <a:r>
+              <a:rPr lang="en-US" altLang="ko-KR" sz="2000" dirty="0"/>
+              <a:t>Transformer</a:t>
+            </a:r>
+            <a:r>
+              <a:rPr lang="ko-KR" altLang="en-US" sz="2000" dirty="0"/>
+              <a:t>에서 얻은 정보를 바탕으로 최종 </a:t>
+            </a:r>
+            <a:r>
+              <a:rPr lang="ko-KR" altLang="en-US" sz="2000" dirty="0" err="1"/>
+              <a:t>예측값</a:t>
+            </a:r>
+            <a:r>
+              <a:rPr lang="ko-KR" altLang="en-US" sz="2000" dirty="0"/>
+              <a:t> 출력</a:t>
+            </a:r>
+            <a:endParaRPr lang="en-US" altLang="ko-KR" sz="2000" dirty="0"/>
+          </a:p>
+        </p:txBody>
+      </p:sp>
+      <p:pic>
+        <p:nvPicPr>
+          <p:cNvPr id="7" name="Picture 2" descr="Figure 3">
+            <a:extLst>
+              <a:ext uri="{FF2B5EF4-FFF2-40B4-BE49-F238E27FC236}">
+                <a16:creationId xmlns:a16="http://schemas.microsoft.com/office/drawing/2014/main" id="{5F51FF09-0773-5624-40E2-C1D86221F83E}"/>
+              </a:ext>
+            </a:extLst>
+          </p:cNvPr>
+          <p:cNvPicPr>
+            <a:picLocks noGrp="1" noChangeAspect="1" noChangeArrowheads="1"/>
+          </p:cNvPicPr>
+          <p:nvPr>
+            <p:ph sz="half" idx="2"/>
+          </p:nvPr>
+        </p:nvPicPr>
+        <p:blipFill>
+          <a:blip r:embed="rId2">
+            <a:extLst>
+              <a:ext uri="{28A0092B-C50C-407E-A947-70E740481C1C}">
+                <a14:useLocalDpi xmlns:a14="http://schemas.microsoft.com/office/drawing/2010/main" val="0"/>
+              </a:ext>
+            </a:extLst>
+          </a:blip>
+          <a:srcRect/>
+          <a:stretch>
+            <a:fillRect/>
+          </a:stretch>
+        </p:blipFill>
+        <p:spPr bwMode="auto">
+          <a:xfrm>
+            <a:off x="6836147" y="365125"/>
+            <a:ext cx="5037405" cy="6264739"/>
+          </a:xfrm>
+          <a:prstGeom prst="rect">
+            <a:avLst/>
+          </a:prstGeom>
+          <a:noFill/>
+          <a:extLst>
+            <a:ext uri="{909E8E84-426E-40DD-AFC4-6F175D3DCCD1}">
+              <a14:hiddenFill xmlns:a14="http://schemas.microsoft.com/office/drawing/2010/main">
+                <a:solidFill>
+                  <a:srgbClr val="FFFFFF"/>
+                </a:solidFill>
+              </a14:hiddenFill>
+            </a:ext>
+          </a:extLst>
+        </p:spPr>
+      </p:pic>
+      <p:sp>
+        <p:nvSpPr>
+          <p:cNvPr id="4" name="타원 3">
+            <a:extLst>
+              <a:ext uri="{FF2B5EF4-FFF2-40B4-BE49-F238E27FC236}">
+                <a16:creationId xmlns:a16="http://schemas.microsoft.com/office/drawing/2014/main" id="{A92ADB37-FFFC-0819-5069-BB62AF641346}"/>
+              </a:ext>
+            </a:extLst>
+          </p:cNvPr>
+          <p:cNvSpPr/>
+          <p:nvPr/>
+        </p:nvSpPr>
+        <p:spPr>
+          <a:xfrm>
+            <a:off x="6390166" y="228136"/>
+            <a:ext cx="5656521" cy="867017"/>
+          </a:xfrm>
+          <a:prstGeom prst="ellipse">
+            <a:avLst/>
+          </a:prstGeom>
+          <a:noFill/>
+          <a:ln>
+            <a:solidFill>
+              <a:srgbClr val="FF0000"/>
+            </a:solidFill>
+          </a:ln>
+        </p:spPr>
+        <p:style>
+          <a:lnRef idx="2">
+            <a:schemeClr val="accent1">
+              <a:shade val="15000"/>
+            </a:schemeClr>
+          </a:lnRef>
+          <a:fillRef idx="1">
+            <a:schemeClr val="accent1"/>
+          </a:fillRef>
+          <a:effectRef idx="0">
+            <a:schemeClr val="accent1"/>
+          </a:effectRef>
+          <a:fontRef idx="minor">
+            <a:schemeClr val="lt1"/>
+          </a:fontRef>
+        </p:style>
+        <p:txBody>
+          <a:bodyPr rtlCol="0" anchor="ctr"/>
+          <a:lstStyle/>
+          <a:p>
+            <a:pPr algn="ctr"/>
+            <a:endParaRPr lang="ko-KR" altLang="en-US"/>
+          </a:p>
+        </p:txBody>
+      </p:sp>
+    </p:spTree>
+    <p:extLst>
+      <p:ext uri="{BB962C8B-B14F-4D97-AF65-F5344CB8AC3E}">
+        <p14:creationId xmlns:p14="http://schemas.microsoft.com/office/powerpoint/2010/main" val="3695224678"/>
+      </p:ext>
+    </p:extLst>
+  </p:cSld>
+  <p:clrMapOvr>
+    <a:masterClrMapping/>
+  </p:clrMapOvr>
+</p:sld>
+</file>
+
+<file path=ppt/slides/slide9.xml><?xml version="1.0" encoding="utf-8"?>
 <p:sld xmlns:a="http://schemas.openxmlformats.org/drawingml/2006/main" xmlns:r="http://schemas.openxmlformats.org/officeDocument/2006/relationships" xmlns:p="http://schemas.openxmlformats.org/presentationml/2006/main">
   <p:cSld>
     <p:spTree>
